--- a/Project_Powerpoint.pptx
+++ b/Project_Powerpoint.pptx
@@ -8,18 +8,25 @@
     <p:sldId id="265" r:id="rId5"/>
     <p:sldId id="286" r:id="rId6"/>
     <p:sldId id="287" r:id="rId7"/>
-    <p:sldId id="288" r:id="rId8"/>
-    <p:sldId id="289" r:id="rId9"/>
-    <p:sldId id="290" r:id="rId10"/>
+    <p:sldId id="291" r:id="rId8"/>
+    <p:sldId id="288" r:id="rId9"/>
+    <p:sldId id="292" r:id="rId10"/>
+    <p:sldId id="293" r:id="rId11"/>
+    <p:sldId id="294" r:id="rId12"/>
+    <p:sldId id="295" r:id="rId13"/>
+    <p:sldId id="296" r:id="rId14"/>
+    <p:sldId id="297" r:id="rId15"/>
+    <p:sldId id="298" r:id="rId16"/>
+    <p:sldId id="290" r:id="rId17"/>
   </p:sldIdLst>
-  <p:sldSz cx="12192000" cy="6858000"/>
+  <p:sldSz cx="9144000" cy="5715000" type="screen16x10"/>
   <p:notesSz cx="6858000" cy="9144000"/>
   <p:defaultTextStyle>
     <a:defPPr>
       <a:defRPr lang="en-US"/>
     </a:defPPr>
-    <a:lvl1pPr marL="0" algn="l" defTabSz="914400" rtl="0" eaLnBrk="1" latinLnBrk="0" hangingPunct="1">
-      <a:defRPr sz="1800" kern="1200">
+    <a:lvl1pPr marL="0" algn="l" defTabSz="713232" rtl="0" eaLnBrk="1" latinLnBrk="0" hangingPunct="1">
+      <a:defRPr sz="1404" kern="1200">
         <a:solidFill>
           <a:schemeClr val="tx1"/>
         </a:solidFill>
@@ -28,8 +35,8 @@
         <a:cs typeface="+mn-cs"/>
       </a:defRPr>
     </a:lvl1pPr>
-    <a:lvl2pPr marL="457200" algn="l" defTabSz="914400" rtl="0" eaLnBrk="1" latinLnBrk="0" hangingPunct="1">
-      <a:defRPr sz="1800" kern="1200">
+    <a:lvl2pPr marL="356616" algn="l" defTabSz="713232" rtl="0" eaLnBrk="1" latinLnBrk="0" hangingPunct="1">
+      <a:defRPr sz="1404" kern="1200">
         <a:solidFill>
           <a:schemeClr val="tx1"/>
         </a:solidFill>
@@ -38,8 +45,8 @@
         <a:cs typeface="+mn-cs"/>
       </a:defRPr>
     </a:lvl2pPr>
-    <a:lvl3pPr marL="914400" algn="l" defTabSz="914400" rtl="0" eaLnBrk="1" latinLnBrk="0" hangingPunct="1">
-      <a:defRPr sz="1800" kern="1200">
+    <a:lvl3pPr marL="713232" algn="l" defTabSz="713232" rtl="0" eaLnBrk="1" latinLnBrk="0" hangingPunct="1">
+      <a:defRPr sz="1404" kern="1200">
         <a:solidFill>
           <a:schemeClr val="tx1"/>
         </a:solidFill>
@@ -48,8 +55,8 @@
         <a:cs typeface="+mn-cs"/>
       </a:defRPr>
     </a:lvl3pPr>
-    <a:lvl4pPr marL="1371600" algn="l" defTabSz="914400" rtl="0" eaLnBrk="1" latinLnBrk="0" hangingPunct="1">
-      <a:defRPr sz="1800" kern="1200">
+    <a:lvl4pPr marL="1069848" algn="l" defTabSz="713232" rtl="0" eaLnBrk="1" latinLnBrk="0" hangingPunct="1">
+      <a:defRPr sz="1404" kern="1200">
         <a:solidFill>
           <a:schemeClr val="tx1"/>
         </a:solidFill>
@@ -58,8 +65,8 @@
         <a:cs typeface="+mn-cs"/>
       </a:defRPr>
     </a:lvl4pPr>
-    <a:lvl5pPr marL="1828800" algn="l" defTabSz="914400" rtl="0" eaLnBrk="1" latinLnBrk="0" hangingPunct="1">
-      <a:defRPr sz="1800" kern="1200">
+    <a:lvl5pPr marL="1426464" algn="l" defTabSz="713232" rtl="0" eaLnBrk="1" latinLnBrk="0" hangingPunct="1">
+      <a:defRPr sz="1404" kern="1200">
         <a:solidFill>
           <a:schemeClr val="tx1"/>
         </a:solidFill>
@@ -68,8 +75,8 @@
         <a:cs typeface="+mn-cs"/>
       </a:defRPr>
     </a:lvl5pPr>
-    <a:lvl6pPr marL="2286000" algn="l" defTabSz="914400" rtl="0" eaLnBrk="1" latinLnBrk="0" hangingPunct="1">
-      <a:defRPr sz="1800" kern="1200">
+    <a:lvl6pPr marL="1783080" algn="l" defTabSz="713232" rtl="0" eaLnBrk="1" latinLnBrk="0" hangingPunct="1">
+      <a:defRPr sz="1404" kern="1200">
         <a:solidFill>
           <a:schemeClr val="tx1"/>
         </a:solidFill>
@@ -78,8 +85,8 @@
         <a:cs typeface="+mn-cs"/>
       </a:defRPr>
     </a:lvl6pPr>
-    <a:lvl7pPr marL="2743200" algn="l" defTabSz="914400" rtl="0" eaLnBrk="1" latinLnBrk="0" hangingPunct="1">
-      <a:defRPr sz="1800" kern="1200">
+    <a:lvl7pPr marL="2139696" algn="l" defTabSz="713232" rtl="0" eaLnBrk="1" latinLnBrk="0" hangingPunct="1">
+      <a:defRPr sz="1404" kern="1200">
         <a:solidFill>
           <a:schemeClr val="tx1"/>
         </a:solidFill>
@@ -88,8 +95,8 @@
         <a:cs typeface="+mn-cs"/>
       </a:defRPr>
     </a:lvl7pPr>
-    <a:lvl8pPr marL="3200400" algn="l" defTabSz="914400" rtl="0" eaLnBrk="1" latinLnBrk="0" hangingPunct="1">
-      <a:defRPr sz="1800" kern="1200">
+    <a:lvl8pPr marL="2496312" algn="l" defTabSz="713232" rtl="0" eaLnBrk="1" latinLnBrk="0" hangingPunct="1">
+      <a:defRPr sz="1404" kern="1200">
         <a:solidFill>
           <a:schemeClr val="tx1"/>
         </a:solidFill>
@@ -98,8 +105,8 @@
         <a:cs typeface="+mn-cs"/>
       </a:defRPr>
     </a:lvl8pPr>
-    <a:lvl9pPr marL="3657600" algn="l" defTabSz="914400" rtl="0" eaLnBrk="1" latinLnBrk="0" hangingPunct="1">
-      <a:defRPr sz="1800" kern="1200">
+    <a:lvl9pPr marL="2852928" algn="l" defTabSz="713232" rtl="0" eaLnBrk="1" latinLnBrk="0" hangingPunct="1">
+      <a:defRPr sz="1404" kern="1200">
         <a:solidFill>
           <a:schemeClr val="tx1"/>
         </a:solidFill>
@@ -148,8 +155,8 @@
         </p:nvSpPr>
         <p:spPr>
           <a:xfrm>
-            <a:off x="3175" y="6400800"/>
-            <a:ext cx="12188825" cy="457200"/>
+            <a:off x="2382" y="5334000"/>
+            <a:ext cx="9141619" cy="381000"/>
           </a:xfrm>
           <a:prstGeom prst="rect">
             <a:avLst/>
@@ -190,8 +197,8 @@
         </p:nvSpPr>
         <p:spPr>
           <a:xfrm>
-            <a:off x="1097280" y="758952"/>
-            <a:ext cx="10058400" cy="3566160"/>
+            <a:off x="822960" y="632460"/>
+            <a:ext cx="7543800" cy="2971800"/>
           </a:xfrm>
         </p:spPr>
         <p:txBody>
@@ -203,7 +210,7 @@
               <a:lnSpc>
                 <a:spcPct val="90000"/>
               </a:lnSpc>
-              <a:defRPr sz="8000" spc="-50" baseline="0">
+              <a:defRPr sz="6000" spc="-38" baseline="0">
                 <a:solidFill>
                   <a:schemeClr val="tx1">
                     <a:lumMod val="85000"/>
@@ -234,8 +241,8 @@
         </p:nvSpPr>
         <p:spPr>
           <a:xfrm>
-            <a:off x="1100051" y="4645152"/>
-            <a:ext cx="10058400" cy="1143000"/>
+            <a:off x="825038" y="3870960"/>
+            <a:ext cx="7543800" cy="952500"/>
           </a:xfrm>
         </p:spPr>
         <p:txBody>
@@ -245,44 +252,44 @@
           <a:lstStyle>
             <a:lvl1pPr marL="0" indent="0" algn="l">
               <a:buNone/>
-              <a:defRPr sz="2400" cap="all" spc="200" baseline="0">
+              <a:defRPr sz="1800" cap="all" spc="150" baseline="0">
                 <a:solidFill>
                   <a:schemeClr val="tx1"/>
                 </a:solidFill>
                 <a:latin typeface="+mn-lt"/>
               </a:defRPr>
             </a:lvl1pPr>
-            <a:lvl2pPr marL="457200" indent="0" algn="ctr">
+            <a:lvl2pPr marL="342900" indent="0" algn="ctr">
               <a:buNone/>
-              <a:defRPr sz="2400"/>
+              <a:defRPr sz="1800"/>
             </a:lvl2pPr>
-            <a:lvl3pPr marL="914400" indent="0" algn="ctr">
+            <a:lvl3pPr marL="685800" indent="0" algn="ctr">
               <a:buNone/>
-              <a:defRPr sz="2400"/>
+              <a:defRPr sz="1800"/>
             </a:lvl3pPr>
-            <a:lvl4pPr marL="1371600" indent="0" algn="ctr">
+            <a:lvl4pPr marL="1028700" indent="0" algn="ctr">
               <a:buNone/>
-              <a:defRPr sz="2000"/>
+              <a:defRPr sz="1500"/>
             </a:lvl4pPr>
-            <a:lvl5pPr marL="1828800" indent="0" algn="ctr">
+            <a:lvl5pPr marL="1371600" indent="0" algn="ctr">
               <a:buNone/>
-              <a:defRPr sz="2000"/>
+              <a:defRPr sz="1500"/>
             </a:lvl5pPr>
-            <a:lvl6pPr marL="2286000" indent="0" algn="ctr">
+            <a:lvl6pPr marL="1714500" indent="0" algn="ctr">
               <a:buNone/>
-              <a:defRPr sz="2000"/>
+              <a:defRPr sz="1500"/>
             </a:lvl6pPr>
-            <a:lvl7pPr marL="2743200" indent="0" algn="ctr">
+            <a:lvl7pPr marL="2057400" indent="0" algn="ctr">
               <a:buNone/>
-              <a:defRPr sz="2000"/>
+              <a:defRPr sz="1500"/>
             </a:lvl7pPr>
-            <a:lvl8pPr marL="3200400" indent="0" algn="ctr">
+            <a:lvl8pPr marL="2400300" indent="0" algn="ctr">
               <a:buNone/>
-              <a:defRPr sz="2000"/>
+              <a:defRPr sz="1500"/>
             </a:lvl8pPr>
-            <a:lvl9pPr marL="3657600" indent="0" algn="ctr">
+            <a:lvl9pPr marL="2743200" indent="0" algn="ctr">
               <a:buNone/>
-              <a:defRPr sz="2000"/>
+              <a:defRPr sz="1500"/>
             </a:lvl9pPr>
           </a:lstStyle>
           <a:p>
@@ -308,8 +315,8 @@
         </p:nvCxnSpPr>
         <p:spPr>
           <a:xfrm>
-            <a:off x="1207658" y="4474741"/>
-            <a:ext cx="9875520" cy="0"/>
+            <a:off x="905744" y="3728951"/>
+            <a:ext cx="7406640" cy="0"/>
           </a:xfrm>
           <a:prstGeom prst="line">
             <a:avLst/>
@@ -361,7 +368,7 @@
           <a:p>
             <a:fld id="{9184DA70-C731-4C70-880D-CCD4705E623C}" type="datetime1">
               <a:rPr lang="en-US" smtClean="0"/>
-              <a:t>22-Nov-21</a:t>
+              <a:t>14-Apr-22</a:t>
             </a:fld>
             <a:endParaRPr lang="en-US" dirty="0"/>
           </a:p>
@@ -549,7 +556,7 @@
           <a:p>
             <a:fld id="{4BE1D723-8F53-4F53-90B0-1982A396982E}" type="datetime1">
               <a:rPr lang="en-US" smtClean="0"/>
-              <a:t>22-Nov-21</a:t>
+              <a:t>14-Apr-22</a:t>
             </a:fld>
             <a:endParaRPr lang="en-US" dirty="0"/>
           </a:p>
@@ -661,8 +668,8 @@
         </p:nvSpPr>
         <p:spPr>
           <a:xfrm>
-            <a:off x="3175" y="6400800"/>
-            <a:ext cx="12188825" cy="457200"/>
+            <a:off x="2382" y="5334000"/>
+            <a:ext cx="9141619" cy="381000"/>
           </a:xfrm>
           <a:prstGeom prst="rect">
             <a:avLst/>
@@ -703,8 +710,8 @@
         </p:nvSpPr>
         <p:spPr>
           <a:xfrm>
-            <a:off x="1097280" y="758952"/>
-            <a:ext cx="10058400" cy="3566160"/>
+            <a:off x="822960" y="632460"/>
+            <a:ext cx="7543800" cy="2971800"/>
           </a:xfrm>
         </p:spPr>
         <p:txBody>
@@ -716,7 +723,7 @@
               <a:lnSpc>
                 <a:spcPct val="90000"/>
               </a:lnSpc>
-              <a:defRPr sz="8000" b="0">
+              <a:defRPr sz="6000" b="0">
                 <a:solidFill>
                   <a:schemeClr val="tx1">
                     <a:lumMod val="85000"/>
@@ -747,8 +754,8 @@
         </p:nvSpPr>
         <p:spPr>
           <a:xfrm>
-            <a:off x="1097280" y="4663440"/>
-            <a:ext cx="10058400" cy="1143000"/>
+            <a:off x="822960" y="3886200"/>
+            <a:ext cx="7543800" cy="952500"/>
           </a:xfrm>
         </p:spPr>
         <p:txBody>
@@ -758,16 +765,16 @@
           <a:lstStyle>
             <a:lvl1pPr marL="0" indent="0">
               <a:buNone/>
-              <a:defRPr sz="2400" cap="all" spc="200" baseline="0">
+              <a:defRPr sz="1800" cap="all" spc="150" baseline="0">
                 <a:solidFill>
                   <a:schemeClr val="tx1"/>
                 </a:solidFill>
                 <a:latin typeface="+mn-lt"/>
               </a:defRPr>
             </a:lvl1pPr>
-            <a:lvl2pPr marL="457200" indent="0">
+            <a:lvl2pPr marL="342900" indent="0">
               <a:buNone/>
-              <a:defRPr sz="1800">
+              <a:defRPr sz="1350">
                 <a:solidFill>
                   <a:schemeClr val="tx1">
                     <a:tint val="75000"/>
@@ -775,9 +782,9 @@
                 </a:solidFill>
               </a:defRPr>
             </a:lvl2pPr>
-            <a:lvl3pPr marL="914400" indent="0">
+            <a:lvl3pPr marL="685800" indent="0">
               <a:buNone/>
-              <a:defRPr sz="1600">
+              <a:defRPr sz="1200">
                 <a:solidFill>
                   <a:schemeClr val="tx1">
                     <a:tint val="75000"/>
@@ -785,9 +792,9 @@
                 </a:solidFill>
               </a:defRPr>
             </a:lvl3pPr>
-            <a:lvl4pPr marL="1371600" indent="0">
+            <a:lvl4pPr marL="1028700" indent="0">
               <a:buNone/>
-              <a:defRPr sz="1400">
+              <a:defRPr sz="1050">
                 <a:solidFill>
                   <a:schemeClr val="tx1">
                     <a:tint val="75000"/>
@@ -795,9 +802,9 @@
                 </a:solidFill>
               </a:defRPr>
             </a:lvl4pPr>
-            <a:lvl5pPr marL="1828800" indent="0">
+            <a:lvl5pPr marL="1371600" indent="0">
               <a:buNone/>
-              <a:defRPr sz="1400">
+              <a:defRPr sz="1050">
                 <a:solidFill>
                   <a:schemeClr val="tx1">
                     <a:tint val="75000"/>
@@ -805,9 +812,9 @@
                 </a:solidFill>
               </a:defRPr>
             </a:lvl5pPr>
-            <a:lvl6pPr marL="2286000" indent="0">
+            <a:lvl6pPr marL="1714500" indent="0">
               <a:buNone/>
-              <a:defRPr sz="1400">
+              <a:defRPr sz="1050">
                 <a:solidFill>
                   <a:schemeClr val="tx1">
                     <a:tint val="75000"/>
@@ -815,9 +822,9 @@
                 </a:solidFill>
               </a:defRPr>
             </a:lvl6pPr>
-            <a:lvl7pPr marL="2743200" indent="0">
+            <a:lvl7pPr marL="2057400" indent="0">
               <a:buNone/>
-              <a:defRPr sz="1400">
+              <a:defRPr sz="1050">
                 <a:solidFill>
                   <a:schemeClr val="tx1">
                     <a:tint val="75000"/>
@@ -825,9 +832,9 @@
                 </a:solidFill>
               </a:defRPr>
             </a:lvl7pPr>
-            <a:lvl8pPr marL="3200400" indent="0">
+            <a:lvl8pPr marL="2400300" indent="0">
               <a:buNone/>
-              <a:defRPr sz="1400">
+              <a:defRPr sz="1050">
                 <a:solidFill>
                   <a:schemeClr val="tx1">
                     <a:tint val="75000"/>
@@ -835,9 +842,9 @@
                 </a:solidFill>
               </a:defRPr>
             </a:lvl8pPr>
-            <a:lvl9pPr marL="3657600" indent="0">
+            <a:lvl9pPr marL="2743200" indent="0">
               <a:buNone/>
-              <a:defRPr sz="1400">
+              <a:defRPr sz="1050">
                 <a:solidFill>
                   <a:schemeClr val="tx1">
                     <a:tint val="75000"/>
@@ -869,8 +876,8 @@
         </p:nvCxnSpPr>
         <p:spPr>
           <a:xfrm>
-            <a:off x="1207658" y="4485132"/>
-            <a:ext cx="9875520" cy="0"/>
+            <a:off x="905744" y="3737610"/>
+            <a:ext cx="7406640" cy="0"/>
           </a:xfrm>
           <a:prstGeom prst="line">
             <a:avLst/>
@@ -922,7 +929,7 @@
           <a:p>
             <a:fld id="{97669AF7-7BEB-44E4-9852-375E34362B5B}" type="datetime1">
               <a:rPr lang="en-US" smtClean="0"/>
-              <a:t>22-Nov-21</a:t>
+              <a:t>14-Apr-22</a:t>
             </a:fld>
             <a:endParaRPr lang="en-US" dirty="0"/>
           </a:p>
@@ -1024,8 +1031,8 @@
         </p:nvSpPr>
         <p:spPr>
           <a:xfrm>
-            <a:off x="1097280" y="286603"/>
-            <a:ext cx="10058400" cy="1450757"/>
+            <a:off x="822960" y="238836"/>
+            <a:ext cx="7543800" cy="1208964"/>
           </a:xfrm>
         </p:spPr>
         <p:txBody>
@@ -1052,8 +1059,8 @@
         </p:nvSpPr>
         <p:spPr>
           <a:xfrm>
-            <a:off x="1097280" y="2120900"/>
-            <a:ext cx="4639736" cy="3748193"/>
+            <a:off x="822960" y="1767417"/>
+            <a:ext cx="3479802" cy="3123494"/>
           </a:xfrm>
         </p:spPr>
         <p:txBody>
@@ -1109,8 +1116,8 @@
         </p:nvSpPr>
         <p:spPr>
           <a:xfrm>
-            <a:off x="6515944" y="2120900"/>
-            <a:ext cx="4639736" cy="3748194"/>
+            <a:off x="4886958" y="1767417"/>
+            <a:ext cx="3479802" cy="3123495"/>
           </a:xfrm>
         </p:spPr>
         <p:txBody>
@@ -1177,7 +1184,7 @@
           <a:p>
             <a:fld id="{BAAAC38D-0552-4C82-B593-E6124DFADBE2}" type="datetime1">
               <a:rPr lang="en-US" smtClean="0"/>
-              <a:t>22-Nov-21</a:t>
+              <a:t>14-Apr-22</a:t>
             </a:fld>
             <a:endParaRPr lang="en-US" dirty="0"/>
           </a:p>
@@ -1279,8 +1286,8 @@
         </p:nvSpPr>
         <p:spPr>
           <a:xfrm>
-            <a:off x="1097280" y="286603"/>
-            <a:ext cx="10058400" cy="1450757"/>
+            <a:off x="822960" y="238836"/>
+            <a:ext cx="7543800" cy="1208964"/>
           </a:xfrm>
         </p:spPr>
         <p:txBody>
@@ -1307,8 +1314,8 @@
         </p:nvSpPr>
         <p:spPr>
           <a:xfrm>
-            <a:off x="1097280" y="2057400"/>
-            <a:ext cx="4639736" cy="736282"/>
+            <a:off x="822960" y="1714500"/>
+            <a:ext cx="3479802" cy="613568"/>
           </a:xfrm>
         </p:spPr>
         <p:txBody>
@@ -1318,43 +1325,43 @@
           <a:lstStyle>
             <a:lvl1pPr marL="0" indent="0">
               <a:buNone/>
-              <a:defRPr sz="2000" b="0" cap="all" baseline="0">
+              <a:defRPr sz="1500" b="0" cap="all" baseline="0">
                 <a:solidFill>
                   <a:schemeClr val="tx1"/>
                 </a:solidFill>
               </a:defRPr>
             </a:lvl1pPr>
-            <a:lvl2pPr marL="457200" indent="0">
+            <a:lvl2pPr marL="342900" indent="0">
               <a:buNone/>
-              <a:defRPr sz="2000" b="1"/>
+              <a:defRPr sz="1500" b="1"/>
             </a:lvl2pPr>
-            <a:lvl3pPr marL="914400" indent="0">
+            <a:lvl3pPr marL="685800" indent="0">
               <a:buNone/>
-              <a:defRPr sz="1800" b="1"/>
+              <a:defRPr sz="1350" b="1"/>
             </a:lvl3pPr>
-            <a:lvl4pPr marL="1371600" indent="0">
+            <a:lvl4pPr marL="1028700" indent="0">
               <a:buNone/>
-              <a:defRPr sz="1600" b="1"/>
+              <a:defRPr sz="1200" b="1"/>
             </a:lvl4pPr>
-            <a:lvl5pPr marL="1828800" indent="0">
+            <a:lvl5pPr marL="1371600" indent="0">
               <a:buNone/>
-              <a:defRPr sz="1600" b="1"/>
+              <a:defRPr sz="1200" b="1"/>
             </a:lvl5pPr>
-            <a:lvl6pPr marL="2286000" indent="0">
+            <a:lvl6pPr marL="1714500" indent="0">
               <a:buNone/>
-              <a:defRPr sz="1600" b="1"/>
+              <a:defRPr sz="1200" b="1"/>
             </a:lvl6pPr>
-            <a:lvl7pPr marL="2743200" indent="0">
+            <a:lvl7pPr marL="2057400" indent="0">
               <a:buNone/>
-              <a:defRPr sz="1600" b="1"/>
+              <a:defRPr sz="1200" b="1"/>
             </a:lvl7pPr>
-            <a:lvl8pPr marL="3200400" indent="0">
+            <a:lvl8pPr marL="2400300" indent="0">
               <a:buNone/>
-              <a:defRPr sz="1600" b="1"/>
+              <a:defRPr sz="1200" b="1"/>
             </a:lvl8pPr>
-            <a:lvl9pPr marL="3657600" indent="0">
+            <a:lvl9pPr marL="2743200" indent="0">
               <a:buNone/>
-              <a:defRPr sz="1600" b="1"/>
+              <a:defRPr sz="1200" b="1"/>
             </a:lvl9pPr>
           </a:lstStyle>
           <a:p>
@@ -1378,8 +1385,8 @@
         </p:nvSpPr>
         <p:spPr>
           <a:xfrm>
-            <a:off x="1097280" y="2958274"/>
-            <a:ext cx="4639736" cy="2910821"/>
+            <a:off x="822960" y="2465229"/>
+            <a:ext cx="3479802" cy="2425684"/>
           </a:xfrm>
         </p:spPr>
         <p:txBody>
@@ -1435,8 +1442,8 @@
         </p:nvSpPr>
         <p:spPr>
           <a:xfrm>
-            <a:off x="6515944" y="2057400"/>
-            <a:ext cx="4639736" cy="736282"/>
+            <a:off x="4886958" y="1714500"/>
+            <a:ext cx="3479802" cy="613568"/>
           </a:xfrm>
         </p:spPr>
         <p:txBody>
@@ -1446,43 +1453,43 @@
           <a:lstStyle>
             <a:lvl1pPr marL="0" indent="0">
               <a:buNone/>
-              <a:defRPr sz="2000" b="0" cap="all" baseline="0">
+              <a:defRPr sz="1500" b="0" cap="all" baseline="0">
                 <a:solidFill>
                   <a:schemeClr val="tx1"/>
                 </a:solidFill>
               </a:defRPr>
             </a:lvl1pPr>
-            <a:lvl2pPr marL="457200" indent="0">
+            <a:lvl2pPr marL="342900" indent="0">
               <a:buNone/>
-              <a:defRPr sz="2000" b="1"/>
+              <a:defRPr sz="1500" b="1"/>
             </a:lvl2pPr>
-            <a:lvl3pPr marL="914400" indent="0">
+            <a:lvl3pPr marL="685800" indent="0">
               <a:buNone/>
-              <a:defRPr sz="1800" b="1"/>
+              <a:defRPr sz="1350" b="1"/>
             </a:lvl3pPr>
-            <a:lvl4pPr marL="1371600" indent="0">
+            <a:lvl4pPr marL="1028700" indent="0">
               <a:buNone/>
-              <a:defRPr sz="1600" b="1"/>
+              <a:defRPr sz="1200" b="1"/>
             </a:lvl4pPr>
-            <a:lvl5pPr marL="1828800" indent="0">
+            <a:lvl5pPr marL="1371600" indent="0">
               <a:buNone/>
-              <a:defRPr sz="1600" b="1"/>
+              <a:defRPr sz="1200" b="1"/>
             </a:lvl5pPr>
-            <a:lvl6pPr marL="2286000" indent="0">
+            <a:lvl6pPr marL="1714500" indent="0">
               <a:buNone/>
-              <a:defRPr sz="1600" b="1"/>
+              <a:defRPr sz="1200" b="1"/>
             </a:lvl6pPr>
-            <a:lvl7pPr marL="2743200" indent="0">
+            <a:lvl7pPr marL="2057400" indent="0">
               <a:buNone/>
-              <a:defRPr sz="1600" b="1"/>
+              <a:defRPr sz="1200" b="1"/>
             </a:lvl7pPr>
-            <a:lvl8pPr marL="3200400" indent="0">
+            <a:lvl8pPr marL="2400300" indent="0">
               <a:buNone/>
-              <a:defRPr sz="1600" b="1"/>
+              <a:defRPr sz="1200" b="1"/>
             </a:lvl8pPr>
-            <a:lvl9pPr marL="3657600" indent="0">
+            <a:lvl9pPr marL="2743200" indent="0">
               <a:buNone/>
-              <a:defRPr sz="1600" b="1"/>
+              <a:defRPr sz="1200" b="1"/>
             </a:lvl9pPr>
           </a:lstStyle>
           <a:p>
@@ -1506,8 +1513,8 @@
         </p:nvSpPr>
         <p:spPr>
           <a:xfrm>
-            <a:off x="6515944" y="2958273"/>
-            <a:ext cx="4639736" cy="2910821"/>
+            <a:off x="4886958" y="2465228"/>
+            <a:ext cx="3479802" cy="2425684"/>
           </a:xfrm>
         </p:spPr>
         <p:txBody>
@@ -1574,7 +1581,7 @@
           <a:p>
             <a:fld id="{D9DF0F1C-5577-4ACB-BB62-DF8F3C494C7E}" type="datetime1">
               <a:rPr lang="en-US" smtClean="0"/>
-              <a:t>22-Nov-21</a:t>
+              <a:t>14-Apr-22</a:t>
             </a:fld>
             <a:endParaRPr lang="en-US" dirty="0"/>
           </a:p>
@@ -1710,7 +1717,7 @@
           <a:p>
             <a:fld id="{1775B394-D9F9-4F0C-B15D-605F45CB9E9F}" type="datetime1">
               <a:rPr lang="en-US" smtClean="0"/>
-              <a:t>22-Nov-21</a:t>
+              <a:t>14-Apr-22</a:t>
             </a:fld>
             <a:endParaRPr lang="en-US" dirty="0"/>
           </a:p>
@@ -1814,8 +1821,8 @@
         </p:nvSpPr>
         <p:spPr>
           <a:xfrm>
-            <a:off x="3175" y="6400800"/>
-            <a:ext cx="12188825" cy="457200"/>
+            <a:off x="2382" y="5334000"/>
+            <a:ext cx="9141619" cy="381000"/>
           </a:xfrm>
           <a:prstGeom prst="rect">
             <a:avLst/>
@@ -1867,7 +1874,7 @@
           <a:p>
             <a:fld id="{39667345-2558-425A-8533-9BFDBCE15005}" type="datetime1">
               <a:rPr lang="en-US" smtClean="0"/>
-              <a:t>22-Nov-21</a:t>
+              <a:t>14-Apr-22</a:t>
             </a:fld>
             <a:endParaRPr lang="en-US" dirty="0"/>
           </a:p>
@@ -1971,8 +1978,8 @@
         </p:nvSpPr>
         <p:spPr>
           <a:xfrm>
-            <a:off x="16" y="0"/>
-            <a:ext cx="4654296" cy="6858000"/>
+            <a:off x="12" y="0"/>
+            <a:ext cx="3490722" cy="5715000"/>
           </a:xfrm>
           <a:prstGeom prst="rect">
             <a:avLst/>
@@ -2013,8 +2020,8 @@
         </p:nvSpPr>
         <p:spPr>
           <a:xfrm>
-            <a:off x="643466" y="786383"/>
-            <a:ext cx="3517567" cy="2093975"/>
+            <a:off x="482600" y="655320"/>
+            <a:ext cx="2638175" cy="1744979"/>
           </a:xfrm>
         </p:spPr>
         <p:txBody>
@@ -2026,7 +2033,7 @@
               <a:lnSpc>
                 <a:spcPct val="90000"/>
               </a:lnSpc>
-              <a:defRPr sz="3600" b="0">
+              <a:defRPr sz="2700" b="0">
                 <a:solidFill>
                   <a:srgbClr val="FFFFFF"/>
                 </a:solidFill>
@@ -2054,8 +2061,8 @@
         </p:nvSpPr>
         <p:spPr>
           <a:xfrm>
-            <a:off x="5458984" y="812799"/>
-            <a:ext cx="5928344" cy="5294757"/>
+            <a:off x="4094238" y="677333"/>
+            <a:ext cx="4446258" cy="4412298"/>
           </a:xfrm>
         </p:spPr>
         <p:txBody>
@@ -2111,8 +2118,8 @@
         </p:nvSpPr>
         <p:spPr>
           <a:xfrm>
-            <a:off x="643465" y="3043050"/>
-            <a:ext cx="3517567" cy="3064505"/>
+            <a:off x="482599" y="2535876"/>
+            <a:ext cx="2638175" cy="2553754"/>
           </a:xfrm>
         </p:spPr>
         <p:txBody>
@@ -2122,43 +2129,43 @@
           <a:lstStyle>
             <a:lvl1pPr marL="0" indent="0">
               <a:buNone/>
-              <a:defRPr sz="1800">
+              <a:defRPr sz="1350">
                 <a:solidFill>
                   <a:srgbClr val="FFFFFF"/>
                 </a:solidFill>
               </a:defRPr>
             </a:lvl1pPr>
-            <a:lvl2pPr marL="457200" indent="0">
-              <a:buNone/>
-              <a:defRPr sz="1200"/>
-            </a:lvl2pPr>
-            <a:lvl3pPr marL="914400" indent="0">
-              <a:buNone/>
-              <a:defRPr sz="1000"/>
-            </a:lvl3pPr>
-            <a:lvl4pPr marL="1371600" indent="0">
+            <a:lvl2pPr marL="342900" indent="0">
               <a:buNone/>
               <a:defRPr sz="900"/>
+            </a:lvl2pPr>
+            <a:lvl3pPr marL="685800" indent="0">
+              <a:buNone/>
+              <a:defRPr sz="750"/>
+            </a:lvl3pPr>
+            <a:lvl4pPr marL="1028700" indent="0">
+              <a:buNone/>
+              <a:defRPr sz="675"/>
             </a:lvl4pPr>
-            <a:lvl5pPr marL="1828800" indent="0">
+            <a:lvl5pPr marL="1371600" indent="0">
               <a:buNone/>
-              <a:defRPr sz="900"/>
+              <a:defRPr sz="675"/>
             </a:lvl5pPr>
-            <a:lvl6pPr marL="2286000" indent="0">
+            <a:lvl6pPr marL="1714500" indent="0">
               <a:buNone/>
-              <a:defRPr sz="900"/>
+              <a:defRPr sz="675"/>
             </a:lvl6pPr>
-            <a:lvl7pPr marL="2743200" indent="0">
+            <a:lvl7pPr marL="2057400" indent="0">
               <a:buNone/>
-              <a:defRPr sz="900"/>
+              <a:defRPr sz="675"/>
             </a:lvl7pPr>
-            <a:lvl8pPr marL="3200400" indent="0">
+            <a:lvl8pPr marL="2400300" indent="0">
               <a:buNone/>
-              <a:defRPr sz="900"/>
+              <a:defRPr sz="675"/>
             </a:lvl8pPr>
-            <a:lvl9pPr marL="3657600" indent="0">
+            <a:lvl9pPr marL="2743200" indent="0">
               <a:buNone/>
-              <a:defRPr sz="900"/>
+              <a:defRPr sz="675"/>
             </a:lvl9pPr>
           </a:lstStyle>
           <a:p>
@@ -2182,8 +2189,8 @@
         </p:nvSpPr>
         <p:spPr>
           <a:xfrm>
-            <a:off x="643464" y="6446520"/>
-            <a:ext cx="3517568" cy="365125"/>
+            <a:off x="482598" y="5372100"/>
+            <a:ext cx="2638176" cy="304271"/>
           </a:xfrm>
         </p:spPr>
         <p:txBody>
@@ -2196,7 +2203,7 @@
           <a:p>
             <a:fld id="{92BEA474-078D-4E9B-9B14-09A87B19DC46}" type="datetime1">
               <a:rPr lang="en-US" smtClean="0"/>
-              <a:t>22-Nov-21</a:t>
+              <a:t>14-Apr-22</a:t>
             </a:fld>
             <a:endParaRPr lang="en-US" dirty="0"/>
           </a:p>
@@ -2214,8 +2221,8 @@
         </p:nvSpPr>
         <p:spPr>
           <a:xfrm>
-            <a:off x="5458983" y="6446520"/>
-            <a:ext cx="5334019" cy="365125"/>
+            <a:off x="4094238" y="5372100"/>
+            <a:ext cx="4000514" cy="304271"/>
           </a:xfrm>
         </p:spPr>
         <p:txBody>
@@ -2310,8 +2317,8 @@
         </p:nvSpPr>
         <p:spPr>
           <a:xfrm>
-            <a:off x="0" y="4578350"/>
-            <a:ext cx="12188825" cy="2279650"/>
+            <a:off x="0" y="3815292"/>
+            <a:ext cx="9141619" cy="1899708"/>
           </a:xfrm>
           <a:prstGeom prst="rect">
             <a:avLst/>
@@ -2352,8 +2359,8 @@
         </p:nvSpPr>
         <p:spPr>
           <a:xfrm>
-            <a:off x="15" y="0"/>
-            <a:ext cx="12191985" cy="4578350"/>
+            <a:off x="12" y="0"/>
+            <a:ext cx="9143989" cy="3815292"/>
           </a:xfrm>
           <a:solidFill>
             <a:schemeClr val="bg1">
@@ -2366,39 +2373,39 @@
           <a:lstStyle>
             <a:lvl1pPr marL="0" indent="0">
               <a:buNone/>
-              <a:defRPr sz="3200"/>
+              <a:defRPr sz="2400"/>
             </a:lvl1pPr>
-            <a:lvl2pPr marL="457200" indent="0">
+            <a:lvl2pPr marL="342900" indent="0">
               <a:buNone/>
-              <a:defRPr sz="2800"/>
+              <a:defRPr sz="2100"/>
             </a:lvl2pPr>
-            <a:lvl3pPr marL="914400" indent="0">
+            <a:lvl3pPr marL="685800" indent="0">
               <a:buNone/>
-              <a:defRPr sz="2400"/>
+              <a:defRPr sz="1800"/>
             </a:lvl3pPr>
-            <a:lvl4pPr marL="1371600" indent="0">
+            <a:lvl4pPr marL="1028700" indent="0">
               <a:buNone/>
-              <a:defRPr sz="2000"/>
+              <a:defRPr sz="1500"/>
             </a:lvl4pPr>
-            <a:lvl5pPr marL="1828800" indent="0">
+            <a:lvl5pPr marL="1371600" indent="0">
               <a:buNone/>
-              <a:defRPr sz="2000"/>
+              <a:defRPr sz="1500"/>
             </a:lvl5pPr>
-            <a:lvl6pPr marL="2286000" indent="0">
+            <a:lvl6pPr marL="1714500" indent="0">
               <a:buNone/>
-              <a:defRPr sz="2000"/>
+              <a:defRPr sz="1500"/>
             </a:lvl6pPr>
-            <a:lvl7pPr marL="2743200" indent="0">
+            <a:lvl7pPr marL="2057400" indent="0">
               <a:buNone/>
-              <a:defRPr sz="2000"/>
+              <a:defRPr sz="1500"/>
             </a:lvl7pPr>
-            <a:lvl8pPr marL="3200400" indent="0">
+            <a:lvl8pPr marL="2400300" indent="0">
               <a:buNone/>
-              <a:defRPr sz="2000"/>
+              <a:defRPr sz="1500"/>
             </a:lvl8pPr>
-            <a:lvl9pPr marL="3657600" indent="0">
+            <a:lvl9pPr marL="2743200" indent="0">
               <a:buNone/>
-              <a:defRPr sz="2000"/>
+              <a:defRPr sz="1500"/>
             </a:lvl9pPr>
           </a:lstStyle>
           <a:p>
@@ -2422,8 +2429,8 @@
         </p:nvSpPr>
         <p:spPr>
           <a:xfrm>
-            <a:off x="1097279" y="4799362"/>
-            <a:ext cx="10113645" cy="743682"/>
+            <a:off x="822960" y="3999468"/>
+            <a:ext cx="7585234" cy="619735"/>
           </a:xfrm>
         </p:spPr>
         <p:txBody>
@@ -2432,7 +2439,7 @@
           </a:bodyPr>
           <a:lstStyle>
             <a:lvl1pPr>
-              <a:defRPr sz="3600" b="0">
+              <a:defRPr sz="2700" b="0">
                 <a:solidFill>
                   <a:srgbClr val="FFFFFF"/>
                 </a:solidFill>
@@ -2460,8 +2467,8 @@
         </p:nvSpPr>
         <p:spPr>
           <a:xfrm>
-            <a:off x="1097279" y="5715000"/>
-            <a:ext cx="10113264" cy="609600"/>
+            <a:off x="822959" y="4762500"/>
+            <a:ext cx="7584948" cy="508000"/>
           </a:xfrm>
         </p:spPr>
         <p:txBody>
@@ -2474,46 +2481,46 @@
                 <a:spcPts val="0"/>
               </a:spcBef>
               <a:spcAft>
-                <a:spcPts val="600"/>
+                <a:spcPts val="450"/>
               </a:spcAft>
               <a:buNone/>
-              <a:defRPr sz="1800">
+              <a:defRPr sz="1350">
                 <a:solidFill>
                   <a:srgbClr val="FFFFFF"/>
                 </a:solidFill>
               </a:defRPr>
             </a:lvl1pPr>
-            <a:lvl2pPr marL="457200" indent="0">
-              <a:buNone/>
-              <a:defRPr sz="1200"/>
-            </a:lvl2pPr>
-            <a:lvl3pPr marL="914400" indent="0">
-              <a:buNone/>
-              <a:defRPr sz="1000"/>
-            </a:lvl3pPr>
-            <a:lvl4pPr marL="1371600" indent="0">
+            <a:lvl2pPr marL="342900" indent="0">
               <a:buNone/>
               <a:defRPr sz="900"/>
+            </a:lvl2pPr>
+            <a:lvl3pPr marL="685800" indent="0">
+              <a:buNone/>
+              <a:defRPr sz="750"/>
+            </a:lvl3pPr>
+            <a:lvl4pPr marL="1028700" indent="0">
+              <a:buNone/>
+              <a:defRPr sz="675"/>
             </a:lvl4pPr>
-            <a:lvl5pPr marL="1828800" indent="0">
+            <a:lvl5pPr marL="1371600" indent="0">
               <a:buNone/>
-              <a:defRPr sz="900"/>
+              <a:defRPr sz="675"/>
             </a:lvl5pPr>
-            <a:lvl6pPr marL="2286000" indent="0">
+            <a:lvl6pPr marL="1714500" indent="0">
               <a:buNone/>
-              <a:defRPr sz="900"/>
+              <a:defRPr sz="675"/>
             </a:lvl6pPr>
-            <a:lvl7pPr marL="2743200" indent="0">
+            <a:lvl7pPr marL="2057400" indent="0">
               <a:buNone/>
-              <a:defRPr sz="900"/>
+              <a:defRPr sz="675"/>
             </a:lvl7pPr>
-            <a:lvl8pPr marL="3200400" indent="0">
+            <a:lvl8pPr marL="2400300" indent="0">
               <a:buNone/>
-              <a:defRPr sz="900"/>
+              <a:defRPr sz="675"/>
             </a:lvl8pPr>
-            <a:lvl9pPr marL="3657600" indent="0">
+            <a:lvl9pPr marL="2743200" indent="0">
               <a:buNone/>
-              <a:defRPr sz="900"/>
+              <a:defRPr sz="675"/>
             </a:lvl9pPr>
           </a:lstStyle>
           <a:p>
@@ -2546,7 +2553,7 @@
           <a:p>
             <a:fld id="{4907D986-8816-4272-A432-0437A28A9828}" type="datetime1">
               <a:rPr lang="en-US" smtClean="0"/>
-              <a:t>22-Nov-21</a:t>
+              <a:t>14-Apr-22</a:t>
             </a:fld>
             <a:endParaRPr lang="en-US" dirty="0"/>
           </a:p>
@@ -2564,8 +2571,8 @@
         </p:nvSpPr>
         <p:spPr>
           <a:xfrm>
-            <a:off x="1097279" y="6446838"/>
-            <a:ext cx="6818262" cy="365125"/>
+            <a:off x="822959" y="5372365"/>
+            <a:ext cx="5113697" cy="304271"/>
           </a:xfrm>
         </p:spPr>
         <p:txBody>
@@ -2649,8 +2656,8 @@
         </p:nvSpPr>
         <p:spPr>
           <a:xfrm>
-            <a:off x="3175" y="6400800"/>
-            <a:ext cx="12188825" cy="457200"/>
+            <a:off x="2382" y="5334000"/>
+            <a:ext cx="9141619" cy="381000"/>
           </a:xfrm>
           <a:prstGeom prst="rect">
             <a:avLst/>
@@ -2691,8 +2698,8 @@
         </p:nvSpPr>
         <p:spPr>
           <a:xfrm>
-            <a:off x="1097280" y="286603"/>
-            <a:ext cx="10058400" cy="1450757"/>
+            <a:off x="822960" y="238836"/>
+            <a:ext cx="7543800" cy="1208964"/>
           </a:xfrm>
           <a:prstGeom prst="rect">
             <a:avLst/>
@@ -2724,8 +2731,8 @@
         </p:nvSpPr>
         <p:spPr>
           <a:xfrm>
-            <a:off x="1097280" y="2108201"/>
-            <a:ext cx="10058400" cy="3760891"/>
+            <a:off x="822960" y="1756835"/>
+            <a:ext cx="7543800" cy="3134076"/>
           </a:xfrm>
           <a:prstGeom prst="rect">
             <a:avLst/>
@@ -2786,8 +2793,8 @@
         </p:nvSpPr>
         <p:spPr>
           <a:xfrm>
-            <a:off x="8218426" y="6446838"/>
-            <a:ext cx="2584850" cy="365125"/>
+            <a:off x="6163819" y="5372365"/>
+            <a:ext cx="1938638" cy="304271"/>
           </a:xfrm>
           <a:prstGeom prst="rect">
             <a:avLst/>
@@ -2797,7 +2804,7 @@
           <a:bodyPr vert="horz" lIns="91440" tIns="45720" rIns="91440" bIns="45720" rtlCol="0" anchor="ctr"/>
           <a:lstStyle>
             <a:lvl1pPr algn="r">
-              <a:defRPr sz="800">
+              <a:defRPr sz="600">
                 <a:solidFill>
                   <a:srgbClr val="FFFFFF"/>
                 </a:solidFill>
@@ -2807,7 +2814,7 @@
           <a:p>
             <a:fld id="{62D6E202-B606-4609-B914-27C9371A1F6D}" type="datetime1">
               <a:rPr lang="en-US" smtClean="0"/>
-              <a:t>22-Nov-21</a:t>
+              <a:t>14-Apr-22</a:t>
             </a:fld>
             <a:endParaRPr lang="en-US" dirty="0"/>
           </a:p>
@@ -2825,8 +2832,8 @@
         </p:nvSpPr>
         <p:spPr>
           <a:xfrm>
-            <a:off x="1097279" y="6446838"/>
-            <a:ext cx="6818262" cy="365125"/>
+            <a:off x="822959" y="5372365"/>
+            <a:ext cx="5113697" cy="304271"/>
           </a:xfrm>
           <a:prstGeom prst="rect">
             <a:avLst/>
@@ -2836,7 +2843,7 @@
           <a:bodyPr vert="horz" lIns="91440" tIns="45720" rIns="91440" bIns="45720" rtlCol="0" anchor="ctr"/>
           <a:lstStyle>
             <a:lvl1pPr algn="l">
-              <a:defRPr sz="800" cap="all" baseline="0">
+              <a:defRPr sz="600" cap="all" baseline="0">
                 <a:solidFill>
                   <a:srgbClr val="FFFFFF"/>
                 </a:solidFill>
@@ -2860,8 +2867,8 @@
         </p:nvSpPr>
         <p:spPr>
           <a:xfrm>
-            <a:off x="10993582" y="6446838"/>
-            <a:ext cx="780010" cy="365125"/>
+            <a:off x="8245186" y="5372365"/>
+            <a:ext cx="585008" cy="304271"/>
           </a:xfrm>
           <a:prstGeom prst="rect">
             <a:avLst/>
@@ -2871,7 +2878,7 @@
           <a:bodyPr vert="horz" lIns="91440" tIns="45720" rIns="91440" bIns="45720" rtlCol="0" anchor="ctr"/>
           <a:lstStyle>
             <a:lvl1pPr algn="l">
-              <a:defRPr sz="800">
+              <a:defRPr sz="600">
                 <a:solidFill>
                   <a:srgbClr val="FFFFFF"/>
                 </a:solidFill>
@@ -2901,8 +2908,8 @@
         </p:nvCxnSpPr>
         <p:spPr>
           <a:xfrm>
-            <a:off x="1193532" y="1897380"/>
-            <a:ext cx="9966960" cy="0"/>
+            <a:off x="895149" y="1581150"/>
+            <a:ext cx="7475220" cy="0"/>
           </a:xfrm>
           <a:prstGeom prst="line">
             <a:avLst/>
@@ -2953,7 +2960,7 @@
   <p:hf sldNum="0" hdr="0" ftr="0" dt="0"/>
   <p:txStyles>
     <p:titleStyle>
-      <a:lvl1pPr algn="l" defTabSz="914400" rtl="0" eaLnBrk="1" latinLnBrk="0" hangingPunct="1">
+      <a:lvl1pPr algn="l" defTabSz="685800" rtl="0" eaLnBrk="1" latinLnBrk="0" hangingPunct="1">
         <a:lnSpc>
           <a:spcPct val="90000"/>
         </a:lnSpc>
@@ -2961,7 +2968,7 @@
           <a:spcPct val="0"/>
         </a:spcBef>
         <a:buNone/>
-        <a:defRPr sz="4700" i="0" kern="1200" spc="-50" baseline="0">
+        <a:defRPr sz="3525" i="0" kern="1200" spc="-38" baseline="0">
           <a:solidFill>
             <a:schemeClr val="tx1">
               <a:lumMod val="75000"/>
@@ -2975,15 +2982,15 @@
       </a:lvl1pPr>
     </p:titleStyle>
     <p:bodyStyle>
-      <a:lvl1pPr marL="91440" indent="-91440" algn="l" defTabSz="914400" rtl="0" eaLnBrk="1" latinLnBrk="0" hangingPunct="1">
+      <a:lvl1pPr marL="68580" indent="-68580" algn="l" defTabSz="685800" rtl="0" eaLnBrk="1" latinLnBrk="0" hangingPunct="1">
         <a:lnSpc>
           <a:spcPct val="110000"/>
         </a:lnSpc>
         <a:spcBef>
-          <a:spcPts val="1200"/>
+          <a:spcPts val="900"/>
         </a:spcBef>
         <a:spcAft>
-          <a:spcPts val="200"/>
+          <a:spcPts val="150"/>
         </a:spcAft>
         <a:buClr>
           <a:schemeClr val="accent1"/>
@@ -2991,7 +2998,7 @@
         <a:buSzPct val="100000"/>
         <a:buFont typeface="Calibri" panose="020F0502020204030204" pitchFamily="34" charset="0"/>
         <a:buChar char=" "/>
-        <a:defRPr sz="1900" kern="1200">
+        <a:defRPr sz="1425" kern="1200">
           <a:solidFill>
             <a:schemeClr val="tx1">
               <a:lumMod val="75000"/>
@@ -3003,20 +3010,20 @@
           <a:cs typeface="+mn-cs"/>
         </a:defRPr>
       </a:lvl1pPr>
-      <a:lvl2pPr marL="384048" indent="-182880" algn="l" defTabSz="914400" rtl="0" eaLnBrk="1" latinLnBrk="0" hangingPunct="1">
+      <a:lvl2pPr marL="288036" indent="-137160" algn="l" defTabSz="685800" rtl="0" eaLnBrk="1" latinLnBrk="0" hangingPunct="1">
         <a:lnSpc>
           <a:spcPct val="100000"/>
         </a:lnSpc>
         <a:spcBef>
-          <a:spcPts val="200"/>
+          <a:spcPts val="150"/>
         </a:spcBef>
         <a:spcAft>
-          <a:spcPts val="400"/>
+          <a:spcPts val="300"/>
         </a:spcAft>
         <a:buClrTx/>
         <a:buFont typeface="Calibri" pitchFamily="34" charset="0"/>
         <a:buChar char="◦"/>
-        <a:defRPr sz="1700" kern="1200">
+        <a:defRPr sz="1275" kern="1200">
           <a:solidFill>
             <a:schemeClr val="tx1">
               <a:lumMod val="75000"/>
@@ -3028,20 +3035,20 @@
           <a:cs typeface="+mn-cs"/>
         </a:defRPr>
       </a:lvl2pPr>
-      <a:lvl3pPr marL="566928" indent="-182880" algn="l" defTabSz="914400" rtl="0" eaLnBrk="1" latinLnBrk="0" hangingPunct="1">
+      <a:lvl3pPr marL="425196" indent="-137160" algn="l" defTabSz="685800" rtl="0" eaLnBrk="1" latinLnBrk="0" hangingPunct="1">
         <a:lnSpc>
           <a:spcPct val="100000"/>
         </a:lnSpc>
         <a:spcBef>
-          <a:spcPts val="200"/>
+          <a:spcPts val="150"/>
         </a:spcBef>
         <a:spcAft>
-          <a:spcPts val="400"/>
+          <a:spcPts val="300"/>
         </a:spcAft>
         <a:buClrTx/>
         <a:buFont typeface="Calibri" pitchFamily="34" charset="0"/>
         <a:buChar char="◦"/>
-        <a:defRPr sz="1300" kern="1200">
+        <a:defRPr sz="975" kern="1200">
           <a:solidFill>
             <a:schemeClr val="tx1">
               <a:lumMod val="75000"/>
@@ -3053,20 +3060,20 @@
           <a:cs typeface="+mn-cs"/>
         </a:defRPr>
       </a:lvl3pPr>
-      <a:lvl4pPr marL="749808" indent="-182880" algn="l" defTabSz="914400" rtl="0" eaLnBrk="1" latinLnBrk="0" hangingPunct="1">
+      <a:lvl4pPr marL="562356" indent="-137160" algn="l" defTabSz="685800" rtl="0" eaLnBrk="1" latinLnBrk="0" hangingPunct="1">
         <a:lnSpc>
           <a:spcPct val="100000"/>
         </a:lnSpc>
         <a:spcBef>
-          <a:spcPts val="200"/>
+          <a:spcPts val="150"/>
         </a:spcBef>
         <a:spcAft>
-          <a:spcPts val="400"/>
+          <a:spcPts val="300"/>
         </a:spcAft>
         <a:buClrTx/>
         <a:buFont typeface="Calibri" pitchFamily="34" charset="0"/>
         <a:buChar char="◦"/>
-        <a:defRPr sz="1300" kern="1200">
+        <a:defRPr sz="975" kern="1200">
           <a:solidFill>
             <a:schemeClr val="tx1">
               <a:lumMod val="75000"/>
@@ -3078,20 +3085,20 @@
           <a:cs typeface="+mn-cs"/>
         </a:defRPr>
       </a:lvl4pPr>
-      <a:lvl5pPr marL="932688" indent="-182880" algn="l" defTabSz="914400" rtl="0" eaLnBrk="1" latinLnBrk="0" hangingPunct="1">
+      <a:lvl5pPr marL="699516" indent="-137160" algn="l" defTabSz="685800" rtl="0" eaLnBrk="1" latinLnBrk="0" hangingPunct="1">
         <a:lnSpc>
           <a:spcPct val="100000"/>
         </a:lnSpc>
         <a:spcBef>
-          <a:spcPts val="200"/>
+          <a:spcPts val="150"/>
         </a:spcBef>
         <a:spcAft>
-          <a:spcPts val="400"/>
+          <a:spcPts val="300"/>
         </a:spcAft>
         <a:buClrTx/>
         <a:buFont typeface="Calibri" pitchFamily="34" charset="0"/>
         <a:buChar char="◦"/>
-        <a:defRPr sz="1300" kern="1200">
+        <a:defRPr sz="975" kern="1200">
           <a:solidFill>
             <a:schemeClr val="tx1">
               <a:lumMod val="75000"/>
@@ -3103,22 +3110,22 @@
           <a:cs typeface="+mn-cs"/>
         </a:defRPr>
       </a:lvl5pPr>
-      <a:lvl6pPr marL="1100000" indent="-228600" algn="l" defTabSz="914400" rtl="0" eaLnBrk="1" latinLnBrk="0" hangingPunct="1">
+      <a:lvl6pPr marL="825000" indent="-171450" algn="l" defTabSz="685800" rtl="0" eaLnBrk="1" latinLnBrk="0" hangingPunct="1">
         <a:lnSpc>
           <a:spcPct val="90000"/>
         </a:lnSpc>
         <a:spcBef>
-          <a:spcPts val="200"/>
+          <a:spcPts val="150"/>
         </a:spcBef>
         <a:spcAft>
-          <a:spcPts val="400"/>
+          <a:spcPts val="300"/>
         </a:spcAft>
         <a:buClr>
           <a:schemeClr val="accent1"/>
         </a:buClr>
         <a:buFont typeface="Calibri" pitchFamily="34" charset="0"/>
         <a:buChar char="◦"/>
-        <a:defRPr sz="1400" kern="1200">
+        <a:defRPr sz="1050" kern="1200">
           <a:solidFill>
             <a:schemeClr val="tx1">
               <a:lumMod val="75000"/>
@@ -3130,22 +3137,22 @@
           <a:cs typeface="+mn-cs"/>
         </a:defRPr>
       </a:lvl6pPr>
-      <a:lvl7pPr marL="1300000" indent="-228600" algn="l" defTabSz="914400" rtl="0" eaLnBrk="1" latinLnBrk="0" hangingPunct="1">
+      <a:lvl7pPr marL="975000" indent="-171450" algn="l" defTabSz="685800" rtl="0" eaLnBrk="1" latinLnBrk="0" hangingPunct="1">
         <a:lnSpc>
           <a:spcPct val="90000"/>
         </a:lnSpc>
         <a:spcBef>
-          <a:spcPts val="200"/>
+          <a:spcPts val="150"/>
         </a:spcBef>
         <a:spcAft>
-          <a:spcPts val="400"/>
+          <a:spcPts val="300"/>
         </a:spcAft>
         <a:buClr>
           <a:schemeClr val="accent1"/>
         </a:buClr>
         <a:buFont typeface="Calibri" pitchFamily="34" charset="0"/>
         <a:buChar char="◦"/>
-        <a:defRPr sz="1400" kern="1200">
+        <a:defRPr sz="1050" kern="1200">
           <a:solidFill>
             <a:schemeClr val="tx1">
               <a:lumMod val="75000"/>
@@ -3157,22 +3164,22 @@
           <a:cs typeface="+mn-cs"/>
         </a:defRPr>
       </a:lvl7pPr>
-      <a:lvl8pPr marL="1500000" indent="-228600" algn="l" defTabSz="914400" rtl="0" eaLnBrk="1" latinLnBrk="0" hangingPunct="1">
+      <a:lvl8pPr marL="1125000" indent="-171450" algn="l" defTabSz="685800" rtl="0" eaLnBrk="1" latinLnBrk="0" hangingPunct="1">
         <a:lnSpc>
           <a:spcPct val="90000"/>
         </a:lnSpc>
         <a:spcBef>
-          <a:spcPts val="200"/>
+          <a:spcPts val="150"/>
         </a:spcBef>
         <a:spcAft>
-          <a:spcPts val="400"/>
+          <a:spcPts val="300"/>
         </a:spcAft>
         <a:buClr>
           <a:schemeClr val="accent1"/>
         </a:buClr>
         <a:buFont typeface="Calibri" pitchFamily="34" charset="0"/>
         <a:buChar char="◦"/>
-        <a:defRPr sz="1400" kern="1200">
+        <a:defRPr sz="1050" kern="1200">
           <a:solidFill>
             <a:schemeClr val="tx1">
               <a:lumMod val="75000"/>
@@ -3184,22 +3191,22 @@
           <a:cs typeface="+mn-cs"/>
         </a:defRPr>
       </a:lvl8pPr>
-      <a:lvl9pPr marL="1700000" indent="-228600" algn="l" defTabSz="914400" rtl="0" eaLnBrk="1" latinLnBrk="0" hangingPunct="1">
+      <a:lvl9pPr marL="1275000" indent="-171450" algn="l" defTabSz="685800" rtl="0" eaLnBrk="1" latinLnBrk="0" hangingPunct="1">
         <a:lnSpc>
           <a:spcPct val="90000"/>
         </a:lnSpc>
         <a:spcBef>
-          <a:spcPts val="200"/>
+          <a:spcPts val="150"/>
         </a:spcBef>
         <a:spcAft>
-          <a:spcPts val="400"/>
+          <a:spcPts val="300"/>
         </a:spcAft>
         <a:buClr>
           <a:schemeClr val="accent1"/>
         </a:buClr>
         <a:buFont typeface="Calibri" pitchFamily="34" charset="0"/>
         <a:buChar char="◦"/>
-        <a:defRPr sz="1400" kern="1200">
+        <a:defRPr sz="1050" kern="1200">
           <a:solidFill>
             <a:schemeClr val="tx1">
               <a:lumMod val="75000"/>
@@ -3216,8 +3223,8 @@
       <a:defPPr>
         <a:defRPr lang="en-US"/>
       </a:defPPr>
-      <a:lvl1pPr marL="0" algn="l" defTabSz="914400" rtl="0" eaLnBrk="1" latinLnBrk="0" hangingPunct="1">
-        <a:defRPr sz="1800" kern="1200">
+      <a:lvl1pPr marL="0" algn="l" defTabSz="685800" rtl="0" eaLnBrk="1" latinLnBrk="0" hangingPunct="1">
+        <a:defRPr sz="1350" kern="1200">
           <a:solidFill>
             <a:schemeClr val="tx1"/>
           </a:solidFill>
@@ -3226,8 +3233,8 @@
           <a:cs typeface="+mn-cs"/>
         </a:defRPr>
       </a:lvl1pPr>
-      <a:lvl2pPr marL="457200" algn="l" defTabSz="914400" rtl="0" eaLnBrk="1" latinLnBrk="0" hangingPunct="1">
-        <a:defRPr sz="1800" kern="1200">
+      <a:lvl2pPr marL="342900" algn="l" defTabSz="685800" rtl="0" eaLnBrk="1" latinLnBrk="0" hangingPunct="1">
+        <a:defRPr sz="1350" kern="1200">
           <a:solidFill>
             <a:schemeClr val="tx1"/>
           </a:solidFill>
@@ -3236,8 +3243,8 @@
           <a:cs typeface="+mn-cs"/>
         </a:defRPr>
       </a:lvl2pPr>
-      <a:lvl3pPr marL="914400" algn="l" defTabSz="914400" rtl="0" eaLnBrk="1" latinLnBrk="0" hangingPunct="1">
-        <a:defRPr sz="1800" kern="1200">
+      <a:lvl3pPr marL="685800" algn="l" defTabSz="685800" rtl="0" eaLnBrk="1" latinLnBrk="0" hangingPunct="1">
+        <a:defRPr sz="1350" kern="1200">
           <a:solidFill>
             <a:schemeClr val="tx1"/>
           </a:solidFill>
@@ -3246,8 +3253,8 @@
           <a:cs typeface="+mn-cs"/>
         </a:defRPr>
       </a:lvl3pPr>
-      <a:lvl4pPr marL="1371600" algn="l" defTabSz="914400" rtl="0" eaLnBrk="1" latinLnBrk="0" hangingPunct="1">
-        <a:defRPr sz="1800" kern="1200">
+      <a:lvl4pPr marL="1028700" algn="l" defTabSz="685800" rtl="0" eaLnBrk="1" latinLnBrk="0" hangingPunct="1">
+        <a:defRPr sz="1350" kern="1200">
           <a:solidFill>
             <a:schemeClr val="tx1"/>
           </a:solidFill>
@@ -3256,8 +3263,8 @@
           <a:cs typeface="+mn-cs"/>
         </a:defRPr>
       </a:lvl4pPr>
-      <a:lvl5pPr marL="1828800" algn="l" defTabSz="914400" rtl="0" eaLnBrk="1" latinLnBrk="0" hangingPunct="1">
-        <a:defRPr sz="1800" kern="1200">
+      <a:lvl5pPr marL="1371600" algn="l" defTabSz="685800" rtl="0" eaLnBrk="1" latinLnBrk="0" hangingPunct="1">
+        <a:defRPr sz="1350" kern="1200">
           <a:solidFill>
             <a:schemeClr val="tx1"/>
           </a:solidFill>
@@ -3266,8 +3273,8 @@
           <a:cs typeface="+mn-cs"/>
         </a:defRPr>
       </a:lvl5pPr>
-      <a:lvl6pPr marL="2286000" algn="l" defTabSz="914400" rtl="0" eaLnBrk="1" latinLnBrk="0" hangingPunct="1">
-        <a:defRPr sz="1800" kern="1200">
+      <a:lvl6pPr marL="1714500" algn="l" defTabSz="685800" rtl="0" eaLnBrk="1" latinLnBrk="0" hangingPunct="1">
+        <a:defRPr sz="1350" kern="1200">
           <a:solidFill>
             <a:schemeClr val="tx1"/>
           </a:solidFill>
@@ -3276,8 +3283,8 @@
           <a:cs typeface="+mn-cs"/>
         </a:defRPr>
       </a:lvl6pPr>
-      <a:lvl7pPr marL="2743200" algn="l" defTabSz="914400" rtl="0" eaLnBrk="1" latinLnBrk="0" hangingPunct="1">
-        <a:defRPr sz="1800" kern="1200">
+      <a:lvl7pPr marL="2057400" algn="l" defTabSz="685800" rtl="0" eaLnBrk="1" latinLnBrk="0" hangingPunct="1">
+        <a:defRPr sz="1350" kern="1200">
           <a:solidFill>
             <a:schemeClr val="tx1"/>
           </a:solidFill>
@@ -3286,8 +3293,8 @@
           <a:cs typeface="+mn-cs"/>
         </a:defRPr>
       </a:lvl7pPr>
-      <a:lvl8pPr marL="3200400" algn="l" defTabSz="914400" rtl="0" eaLnBrk="1" latinLnBrk="0" hangingPunct="1">
-        <a:defRPr sz="1800" kern="1200">
+      <a:lvl8pPr marL="2400300" algn="l" defTabSz="685800" rtl="0" eaLnBrk="1" latinLnBrk="0" hangingPunct="1">
+        <a:defRPr sz="1350" kern="1200">
           <a:solidFill>
             <a:schemeClr val="tx1"/>
           </a:solidFill>
@@ -3296,8 +3303,8 @@
           <a:cs typeface="+mn-cs"/>
         </a:defRPr>
       </a:lvl8pPr>
-      <a:lvl9pPr marL="3657600" algn="l" defTabSz="914400" rtl="0" eaLnBrk="1" latinLnBrk="0" hangingPunct="1">
-        <a:defRPr sz="1800" kern="1200">
+      <a:lvl9pPr marL="2743200" algn="l" defTabSz="685800" rtl="0" eaLnBrk="1" latinLnBrk="0" hangingPunct="1">
+        <a:defRPr sz="1350" kern="1200">
           <a:solidFill>
             <a:schemeClr val="tx1"/>
           </a:solidFill>
@@ -3361,8 +3368,8 @@
         </p:nvSpPr>
         <p:spPr>
           <a:xfrm>
-            <a:off x="1" y="0"/>
-            <a:ext cx="12188726" cy="6858975"/>
+            <a:off x="1" y="285751"/>
+            <a:ext cx="9141545" cy="5144231"/>
           </a:xfrm>
           <a:prstGeom prst="rect">
             <a:avLst/>
@@ -3394,36 +3401,14 @@
           <a:bodyPr rtlCol="0" anchor="ctr"/>
           <a:lstStyle/>
           <a:p>
-            <a:pPr marL="0" marR="0" lvl="0" indent="0" algn="ctr" defTabSz="914400" rtl="0" eaLnBrk="1" fontAlgn="auto" latinLnBrk="0" hangingPunct="1">
-              <a:lnSpc>
-                <a:spcPct val="100000"/>
-              </a:lnSpc>
-              <a:spcBef>
-                <a:spcPts val="0"/>
-              </a:spcBef>
-              <a:spcAft>
-                <a:spcPts val="0"/>
-              </a:spcAft>
-              <a:buClrTx/>
-              <a:buSzTx/>
-              <a:buFontTx/>
-              <a:buNone/>
-              <a:tabLst/>
+            <a:pPr algn="ctr" defTabSz="685800">
               <a:defRPr/>
             </a:pPr>
-            <a:endParaRPr kumimoji="0" lang="en-US" sz="1800" b="0" i="0" u="none" strike="noStrike" kern="1200" cap="none" spc="0" normalizeH="0" baseline="0" noProof="0" dirty="0">
-              <a:ln>
-                <a:noFill/>
-              </a:ln>
+            <a:endParaRPr lang="en-US" sz="1350" dirty="0">
               <a:solidFill>
                 <a:srgbClr val="FFFFFF"/>
               </a:solidFill>
-              <a:effectLst/>
-              <a:uLnTx/>
-              <a:uFillTx/>
               <a:latin typeface="Franklin Gothic Book" panose="020F0502020204030204"/>
-              <a:ea typeface="+mn-ea"/>
-              <a:cs typeface="+mn-cs"/>
             </a:endParaRPr>
           </a:p>
         </p:txBody>
@@ -3458,8 +3443,8 @@
         </p:blipFill>
         <p:spPr>
           <a:xfrm>
-            <a:off x="20" y="975"/>
-            <a:ext cx="12191980" cy="6858000"/>
+            <a:off x="15" y="286481"/>
+            <a:ext cx="9143985" cy="5143500"/>
           </a:xfrm>
           <a:prstGeom prst="rect">
             <a:avLst/>
@@ -3491,8 +3476,8 @@
         </p:nvSpPr>
         <p:spPr>
           <a:xfrm>
-            <a:off x="7912607" y="1238442"/>
-            <a:ext cx="3635926" cy="4355751"/>
+            <a:off x="5934455" y="1214582"/>
+            <a:ext cx="2726945" cy="3266813"/>
           </a:xfrm>
           <a:prstGeom prst="rect">
             <a:avLst/>
@@ -3526,36 +3511,14 @@
           <a:bodyPr rtlCol="0" anchor="ctr"/>
           <a:lstStyle/>
           <a:p>
-            <a:pPr marL="0" marR="0" lvl="0" indent="0" algn="ctr" defTabSz="914400" rtl="0" eaLnBrk="1" fontAlgn="auto" latinLnBrk="0" hangingPunct="1">
-              <a:lnSpc>
-                <a:spcPct val="100000"/>
-              </a:lnSpc>
-              <a:spcBef>
-                <a:spcPts val="0"/>
-              </a:spcBef>
-              <a:spcAft>
-                <a:spcPts val="0"/>
-              </a:spcAft>
-              <a:buClrTx/>
-              <a:buSzTx/>
-              <a:buFontTx/>
-              <a:buNone/>
-              <a:tabLst/>
+            <a:pPr algn="ctr" defTabSz="685800">
               <a:defRPr/>
             </a:pPr>
-            <a:endParaRPr kumimoji="0" lang="en-US" sz="1800" b="0" i="0" u="none" strike="noStrike" kern="1200" cap="none" spc="0" normalizeH="0" baseline="0" noProof="0" dirty="0">
-              <a:ln>
-                <a:noFill/>
-              </a:ln>
+            <a:endParaRPr lang="en-US" sz="1350" dirty="0">
               <a:solidFill>
                 <a:srgbClr val="FFFFFF"/>
               </a:solidFill>
-              <a:effectLst/>
-              <a:uLnTx/>
-              <a:uFillTx/>
               <a:latin typeface="Franklin Gothic Book" panose="020F0502020204030204"/>
-              <a:ea typeface="+mn-ea"/>
-              <a:cs typeface="+mn-cs"/>
             </a:endParaRPr>
           </a:p>
         </p:txBody>
@@ -3578,8 +3541,8 @@
         </p:nvSpPr>
         <p:spPr>
           <a:xfrm>
-            <a:off x="8123416" y="1475234"/>
-            <a:ext cx="3214307" cy="2901694"/>
+            <a:off x="6092563" y="1392175"/>
+            <a:ext cx="2410730" cy="2176271"/>
           </a:xfrm>
         </p:spPr>
         <p:txBody>
@@ -3589,12 +3552,12 @@
           <a:lstStyle/>
           <a:p>
             <a:r>
-              <a:rPr lang="en-US" sz="4400" dirty="0">
+              <a:rPr lang="en-US" sz="3300" dirty="0">
                 <a:solidFill>
                   <a:schemeClr val="tx1"/>
                 </a:solidFill>
               </a:rPr>
-              <a:t>Senior Project Design</a:t>
+              <a:t>Senior Project</a:t>
             </a:r>
           </a:p>
         </p:txBody>
@@ -3617,8 +3580,8 @@
         </p:nvSpPr>
         <p:spPr>
           <a:xfrm>
-            <a:off x="8127750" y="4608576"/>
-            <a:ext cx="3205640" cy="774186"/>
+            <a:off x="6095813" y="3742182"/>
+            <a:ext cx="2404230" cy="580640"/>
           </a:xfrm>
         </p:spPr>
         <p:txBody>
@@ -3633,7 +3596,7 @@
               </a:lnSpc>
             </a:pPr>
             <a:r>
-              <a:rPr lang="en-US" sz="1600" dirty="0"/>
+              <a:rPr lang="en-US" sz="1200" dirty="0"/>
               <a:t>By: Ethan Powell</a:t>
             </a:r>
           </a:p>
@@ -3664,8 +3627,8 @@
         </p:nvCxnSpPr>
         <p:spPr>
           <a:xfrm>
-            <a:off x="8176090" y="4508519"/>
-            <a:ext cx="3108960" cy="0"/>
+            <a:off x="6132068" y="3667139"/>
+            <a:ext cx="2331720" cy="0"/>
           </a:xfrm>
           <a:prstGeom prst="line">
             <a:avLst/>
@@ -3716,8 +3679,8 @@
         </p:nvSpPr>
         <p:spPr>
           <a:xfrm>
-            <a:off x="1" y="6400800"/>
-            <a:ext cx="12192000" cy="457200"/>
+            <a:off x="1" y="5086350"/>
+            <a:ext cx="9144000" cy="342900"/>
           </a:xfrm>
           <a:prstGeom prst="rect">
             <a:avLst/>
@@ -3757,6 +3720,672 @@
   </p:cSld>
   <p:clrMapOvr>
     <a:overrideClrMapping bg1="dk1" tx1="lt1" bg2="dk2" tx2="lt2" accent1="accent1" accent2="accent2" accent3="accent3" accent4="accent4" accent5="accent5" accent6="accent6" hlink="hlink" folHlink="folHlink"/>
+  </p:clrMapOvr>
+</p:sld>
+</file>
+
+<file path=ppt/slides/slide10.xml><?xml version="1.0" encoding="utf-8"?>
+<p:sld xmlns:a="http://schemas.openxmlformats.org/drawingml/2006/main" xmlns:r="http://schemas.openxmlformats.org/officeDocument/2006/relationships" xmlns:p="http://schemas.openxmlformats.org/presentationml/2006/main">
+  <p:cSld>
+    <p:spTree>
+      <p:nvGrpSpPr>
+        <p:cNvPr id="1" name=""/>
+        <p:cNvGrpSpPr/>
+        <p:nvPr/>
+      </p:nvGrpSpPr>
+      <p:grpSpPr>
+        <a:xfrm>
+          <a:off x="0" y="0"/>
+          <a:ext cx="0" cy="0"/>
+          <a:chOff x="0" y="0"/>
+          <a:chExt cx="0" cy="0"/>
+        </a:xfrm>
+      </p:grpSpPr>
+      <p:sp>
+        <p:nvSpPr>
+          <p:cNvPr id="2" name="Title 1">
+            <a:extLst>
+              <a:ext uri="{FF2B5EF4-FFF2-40B4-BE49-F238E27FC236}">
+                <a16:creationId xmlns:a16="http://schemas.microsoft.com/office/drawing/2014/main" id="{ECFE24AC-7B66-442E-8BBB-051A6E74F9C8}"/>
+              </a:ext>
+            </a:extLst>
+          </p:cNvPr>
+          <p:cNvSpPr>
+            <a:spLocks noGrp="1"/>
+          </p:cNvSpPr>
+          <p:nvPr>
+            <p:ph type="title"/>
+          </p:nvPr>
+        </p:nvSpPr>
+        <p:spPr/>
+        <p:txBody>
+          <a:bodyPr/>
+          <a:lstStyle/>
+          <a:p>
+            <a:r>
+              <a:rPr lang="en-US" dirty="0"/>
+              <a:t>Challenges Overcome</a:t>
+            </a:r>
+          </a:p>
+        </p:txBody>
+      </p:sp>
+      <p:sp>
+        <p:nvSpPr>
+          <p:cNvPr id="3" name="Content Placeholder 2">
+            <a:extLst>
+              <a:ext uri="{FF2B5EF4-FFF2-40B4-BE49-F238E27FC236}">
+                <a16:creationId xmlns:a16="http://schemas.microsoft.com/office/drawing/2014/main" id="{486CF8A9-C7F7-48C2-BC06-41411197C982}"/>
+              </a:ext>
+            </a:extLst>
+          </p:cNvPr>
+          <p:cNvSpPr>
+            <a:spLocks noGrp="1"/>
+          </p:cNvSpPr>
+          <p:nvPr>
+            <p:ph idx="1"/>
+          </p:nvPr>
+        </p:nvSpPr>
+        <p:spPr/>
+        <p:txBody>
+          <a:bodyPr/>
+          <a:lstStyle/>
+          <a:p>
+            <a:pPr>
+              <a:buFont typeface="Arial" panose="020B0604020202020204" pitchFamily="34" charset="0"/>
+              <a:buChar char="•"/>
+            </a:pPr>
+            <a:r>
+              <a:rPr lang="en-US" dirty="0"/>
+              <a:t> </a:t>
+            </a:r>
+            <a:r>
+              <a:rPr lang="en-US" sz="1800" dirty="0"/>
+              <a:t>Language decisions and implementation method</a:t>
+            </a:r>
+          </a:p>
+          <a:p>
+            <a:pPr>
+              <a:buFont typeface="Arial" panose="020B0604020202020204" pitchFamily="34" charset="0"/>
+              <a:buChar char="•"/>
+            </a:pPr>
+            <a:r>
+              <a:rPr lang="en-US" sz="1800" dirty="0"/>
+              <a:t> Interacting with a PDF</a:t>
+            </a:r>
+          </a:p>
+          <a:p>
+            <a:pPr>
+              <a:buFont typeface="Arial" panose="020B0604020202020204" pitchFamily="34" charset="0"/>
+              <a:buChar char="•"/>
+            </a:pPr>
+            <a:r>
+              <a:rPr lang="en-US" sz="1800" dirty="0"/>
+              <a:t> Understanding program to database interaction</a:t>
+            </a:r>
+          </a:p>
+          <a:p>
+            <a:pPr>
+              <a:buFont typeface="Arial" panose="020B0604020202020204" pitchFamily="34" charset="0"/>
+              <a:buChar char="•"/>
+            </a:pPr>
+            <a:r>
+              <a:rPr lang="en-US" sz="1800" dirty="0"/>
+              <a:t> How to properly write documentation</a:t>
+            </a:r>
+          </a:p>
+        </p:txBody>
+      </p:sp>
+    </p:spTree>
+    <p:extLst>
+      <p:ext uri="{BB962C8B-B14F-4D97-AF65-F5344CB8AC3E}">
+        <p14:creationId xmlns:p14="http://schemas.microsoft.com/office/powerpoint/2010/main" val="1537991812"/>
+      </p:ext>
+    </p:extLst>
+  </p:cSld>
+  <p:clrMapOvr>
+    <a:masterClrMapping/>
+  </p:clrMapOvr>
+</p:sld>
+</file>
+
+<file path=ppt/slides/slide11.xml><?xml version="1.0" encoding="utf-8"?>
+<p:sld xmlns:a="http://schemas.openxmlformats.org/drawingml/2006/main" xmlns:r="http://schemas.openxmlformats.org/officeDocument/2006/relationships" xmlns:p="http://schemas.openxmlformats.org/presentationml/2006/main">
+  <p:cSld>
+    <p:spTree>
+      <p:nvGrpSpPr>
+        <p:cNvPr id="1" name=""/>
+        <p:cNvGrpSpPr/>
+        <p:nvPr/>
+      </p:nvGrpSpPr>
+      <p:grpSpPr>
+        <a:xfrm>
+          <a:off x="0" y="0"/>
+          <a:ext cx="0" cy="0"/>
+          <a:chOff x="0" y="0"/>
+          <a:chExt cx="0" cy="0"/>
+        </a:xfrm>
+      </p:grpSpPr>
+      <p:sp>
+        <p:nvSpPr>
+          <p:cNvPr id="2" name="Title 1">
+            <a:extLst>
+              <a:ext uri="{FF2B5EF4-FFF2-40B4-BE49-F238E27FC236}">
+                <a16:creationId xmlns:a16="http://schemas.microsoft.com/office/drawing/2014/main" id="{981D0141-348B-4BBA-B9CC-5693B0753355}"/>
+              </a:ext>
+            </a:extLst>
+          </p:cNvPr>
+          <p:cNvSpPr>
+            <a:spLocks noGrp="1"/>
+          </p:cNvSpPr>
+          <p:nvPr>
+            <p:ph type="title"/>
+          </p:nvPr>
+        </p:nvSpPr>
+        <p:spPr/>
+        <p:txBody>
+          <a:bodyPr/>
+          <a:lstStyle/>
+          <a:p>
+            <a:r>
+              <a:rPr lang="en-US" dirty="0"/>
+              <a:t>Challenges Not Overcome</a:t>
+            </a:r>
+          </a:p>
+        </p:txBody>
+      </p:sp>
+      <p:sp>
+        <p:nvSpPr>
+          <p:cNvPr id="3" name="Content Placeholder 2">
+            <a:extLst>
+              <a:ext uri="{FF2B5EF4-FFF2-40B4-BE49-F238E27FC236}">
+                <a16:creationId xmlns:a16="http://schemas.microsoft.com/office/drawing/2014/main" id="{E41F6CB3-2222-42D2-B950-15729954AF84}"/>
+              </a:ext>
+            </a:extLst>
+          </p:cNvPr>
+          <p:cNvSpPr>
+            <a:spLocks noGrp="1"/>
+          </p:cNvSpPr>
+          <p:nvPr>
+            <p:ph idx="1"/>
+          </p:nvPr>
+        </p:nvSpPr>
+        <p:spPr/>
+        <p:txBody>
+          <a:bodyPr/>
+          <a:lstStyle/>
+          <a:p>
+            <a:pPr>
+              <a:buFont typeface="Arial" panose="020B0604020202020204" pitchFamily="34" charset="0"/>
+              <a:buChar char="•"/>
+            </a:pPr>
+            <a:r>
+              <a:rPr lang="en-US" dirty="0"/>
+              <a:t> </a:t>
+            </a:r>
+            <a:r>
+              <a:rPr lang="en-US" sz="1800" dirty="0"/>
+              <a:t>Time constraints and full implementation</a:t>
+            </a:r>
+          </a:p>
+          <a:p>
+            <a:pPr>
+              <a:buFont typeface="Arial" panose="020B0604020202020204" pitchFamily="34" charset="0"/>
+              <a:buChar char="•"/>
+            </a:pPr>
+            <a:r>
+              <a:rPr lang="en-US" sz="1800" dirty="0"/>
+              <a:t> Utilizing a fully graphical user interface</a:t>
+            </a:r>
+          </a:p>
+          <a:p>
+            <a:pPr>
+              <a:buFont typeface="Arial" panose="020B0604020202020204" pitchFamily="34" charset="0"/>
+              <a:buChar char="•"/>
+            </a:pPr>
+            <a:r>
+              <a:rPr lang="en-US" sz="1800" dirty="0"/>
+              <a:t> Implementing a way to interpret Dungeons and Dragons spells and abilities</a:t>
+            </a:r>
+          </a:p>
+        </p:txBody>
+      </p:sp>
+    </p:spTree>
+    <p:extLst>
+      <p:ext uri="{BB962C8B-B14F-4D97-AF65-F5344CB8AC3E}">
+        <p14:creationId xmlns:p14="http://schemas.microsoft.com/office/powerpoint/2010/main" val="2164835738"/>
+      </p:ext>
+    </p:extLst>
+  </p:cSld>
+  <p:clrMapOvr>
+    <a:masterClrMapping/>
+  </p:clrMapOvr>
+</p:sld>
+</file>
+
+<file path=ppt/slides/slide12.xml><?xml version="1.0" encoding="utf-8"?>
+<p:sld xmlns:a="http://schemas.openxmlformats.org/drawingml/2006/main" xmlns:r="http://schemas.openxmlformats.org/officeDocument/2006/relationships" xmlns:p="http://schemas.openxmlformats.org/presentationml/2006/main">
+  <p:cSld>
+    <p:spTree>
+      <p:nvGrpSpPr>
+        <p:cNvPr id="1" name=""/>
+        <p:cNvGrpSpPr/>
+        <p:nvPr/>
+      </p:nvGrpSpPr>
+      <p:grpSpPr>
+        <a:xfrm>
+          <a:off x="0" y="0"/>
+          <a:ext cx="0" cy="0"/>
+          <a:chOff x="0" y="0"/>
+          <a:chExt cx="0" cy="0"/>
+        </a:xfrm>
+      </p:grpSpPr>
+      <p:sp>
+        <p:nvSpPr>
+          <p:cNvPr id="2" name="Title 1">
+            <a:extLst>
+              <a:ext uri="{FF2B5EF4-FFF2-40B4-BE49-F238E27FC236}">
+                <a16:creationId xmlns:a16="http://schemas.microsoft.com/office/drawing/2014/main" id="{CEF466E1-5EB1-4937-8B6F-EE83BF200E13}"/>
+              </a:ext>
+            </a:extLst>
+          </p:cNvPr>
+          <p:cNvSpPr>
+            <a:spLocks noGrp="1"/>
+          </p:cNvSpPr>
+          <p:nvPr>
+            <p:ph type="title"/>
+          </p:nvPr>
+        </p:nvSpPr>
+        <p:spPr/>
+        <p:txBody>
+          <a:bodyPr/>
+          <a:lstStyle/>
+          <a:p>
+            <a:r>
+              <a:rPr lang="en-US" dirty="0"/>
+              <a:t>Future Enhancements</a:t>
+            </a:r>
+          </a:p>
+        </p:txBody>
+      </p:sp>
+      <p:sp>
+        <p:nvSpPr>
+          <p:cNvPr id="3" name="Content Placeholder 2">
+            <a:extLst>
+              <a:ext uri="{FF2B5EF4-FFF2-40B4-BE49-F238E27FC236}">
+                <a16:creationId xmlns:a16="http://schemas.microsoft.com/office/drawing/2014/main" id="{59759FB4-44BB-4801-8061-8C97AC8810FE}"/>
+              </a:ext>
+            </a:extLst>
+          </p:cNvPr>
+          <p:cNvSpPr>
+            <a:spLocks noGrp="1"/>
+          </p:cNvSpPr>
+          <p:nvPr>
+            <p:ph idx="1"/>
+          </p:nvPr>
+        </p:nvSpPr>
+        <p:spPr/>
+        <p:txBody>
+          <a:bodyPr>
+            <a:normAutofit/>
+          </a:bodyPr>
+          <a:lstStyle/>
+          <a:p>
+            <a:pPr>
+              <a:buFont typeface="Arial" panose="020B0604020202020204" pitchFamily="34" charset="0"/>
+              <a:buChar char="•"/>
+            </a:pPr>
+            <a:r>
+              <a:rPr lang="en-US" sz="1800" dirty="0"/>
+              <a:t> Implement full functionality</a:t>
+            </a:r>
+          </a:p>
+          <a:p>
+            <a:pPr>
+              <a:buFont typeface="Arial" panose="020B0604020202020204" pitchFamily="34" charset="0"/>
+              <a:buChar char="•"/>
+            </a:pPr>
+            <a:r>
+              <a:rPr lang="en-US" sz="1800" dirty="0"/>
+              <a:t> Create a graphical user interface for use with mouse pointer and buttons</a:t>
+            </a:r>
+          </a:p>
+          <a:p>
+            <a:pPr>
+              <a:buFont typeface="Arial" panose="020B0604020202020204" pitchFamily="34" charset="0"/>
+              <a:buChar char="•"/>
+            </a:pPr>
+            <a:r>
+              <a:rPr lang="en-US" sz="1800" dirty="0"/>
+              <a:t> Web hosting/mobile app production</a:t>
+            </a:r>
+          </a:p>
+          <a:p>
+            <a:pPr>
+              <a:buFont typeface="Arial" panose="020B0604020202020204" pitchFamily="34" charset="0"/>
+              <a:buChar char="•"/>
+            </a:pPr>
+            <a:r>
+              <a:rPr lang="en-US" sz="1800" dirty="0"/>
+              <a:t> Clean and optimize code for functionality and speed</a:t>
+            </a:r>
+          </a:p>
+        </p:txBody>
+      </p:sp>
+    </p:spTree>
+    <p:extLst>
+      <p:ext uri="{BB962C8B-B14F-4D97-AF65-F5344CB8AC3E}">
+        <p14:creationId xmlns:p14="http://schemas.microsoft.com/office/powerpoint/2010/main" val="2429004892"/>
+      </p:ext>
+    </p:extLst>
+  </p:cSld>
+  <p:clrMapOvr>
+    <a:masterClrMapping/>
+  </p:clrMapOvr>
+</p:sld>
+</file>
+
+<file path=ppt/slides/slide13.xml><?xml version="1.0" encoding="utf-8"?>
+<p:sld xmlns:a="http://schemas.openxmlformats.org/drawingml/2006/main" xmlns:r="http://schemas.openxmlformats.org/officeDocument/2006/relationships" xmlns:p="http://schemas.openxmlformats.org/presentationml/2006/main">
+  <p:cSld>
+    <p:bg>
+      <p:bgPr>
+        <a:solidFill>
+          <a:schemeClr val="bg1"/>
+        </a:solidFill>
+        <a:effectLst/>
+      </p:bgPr>
+    </p:bg>
+    <p:spTree>
+      <p:nvGrpSpPr>
+        <p:cNvPr id="1" name=""/>
+        <p:cNvGrpSpPr/>
+        <p:nvPr/>
+      </p:nvGrpSpPr>
+      <p:grpSpPr>
+        <a:xfrm>
+          <a:off x="0" y="0"/>
+          <a:ext cx="0" cy="0"/>
+          <a:chOff x="0" y="0"/>
+          <a:chExt cx="0" cy="0"/>
+        </a:xfrm>
+      </p:grpSpPr>
+      <p:sp>
+        <p:nvSpPr>
+          <p:cNvPr id="11" name="Rectangle 10">
+            <a:extLst>
+              <a:ext uri="{FF2B5EF4-FFF2-40B4-BE49-F238E27FC236}">
+                <a16:creationId xmlns:a16="http://schemas.microsoft.com/office/drawing/2014/main" id="{39E3965E-AC41-4711-9D10-E25ABB132D86}"/>
+              </a:ext>
+              <a:ext uri="{C183D7F6-B498-43B3-948B-1728B52AA6E4}">
+                <adec:decorative xmlns:adec="http://schemas.microsoft.com/office/drawing/2017/decorative" val="1"/>
+              </a:ext>
+            </a:extLst>
+          </p:cNvPr>
+          <p:cNvSpPr>
+            <a:spLocks noGrp="1" noRot="1" noChangeAspect="1" noMove="1" noResize="1" noEditPoints="1" noAdjustHandles="1" noChangeArrowheads="1" noChangeShapeType="1" noTextEdit="1"/>
+          </p:cNvSpPr>
+          <p:nvPr>
+            <p:extLst>
+              <p:ext uri="{386F3935-93C4-4BCD-93E2-E3B085C9AB24}">
+                <p16:designElem xmlns:p16="http://schemas.microsoft.com/office/powerpoint/2015/main" val="1"/>
+              </p:ext>
+            </p:extLst>
+          </p:nvPr>
+        </p:nvSpPr>
+        <p:spPr>
+          <a:xfrm>
+            <a:off x="2382" y="5086350"/>
+            <a:ext cx="9141619" cy="342900"/>
+          </a:xfrm>
+          <a:prstGeom prst="rect">
+            <a:avLst/>
+          </a:prstGeom>
+          <a:solidFill>
+            <a:srgbClr val="262626"/>
+          </a:solidFill>
+          <a:ln>
+            <a:noFill/>
+          </a:ln>
+        </p:spPr>
+        <p:style>
+          <a:lnRef idx="2">
+            <a:schemeClr val="accent1">
+              <a:shade val="50000"/>
+            </a:schemeClr>
+          </a:lnRef>
+          <a:fillRef idx="1">
+            <a:schemeClr val="accent1"/>
+          </a:fillRef>
+          <a:effectRef idx="0">
+            <a:schemeClr val="accent1"/>
+          </a:effectRef>
+          <a:fontRef idx="minor">
+            <a:schemeClr val="lt1"/>
+          </a:fontRef>
+        </p:style>
+      </p:sp>
+      <p:cxnSp>
+        <p:nvCxnSpPr>
+          <p:cNvPr id="13" name="Straight Connector 12">
+            <a:extLst>
+              <a:ext uri="{FF2B5EF4-FFF2-40B4-BE49-F238E27FC236}">
+                <a16:creationId xmlns:a16="http://schemas.microsoft.com/office/drawing/2014/main" id="{1F5DC8C3-BA5F-4EED-BB9A-A14272BD82A1}"/>
+              </a:ext>
+              <a:ext uri="{C183D7F6-B498-43B3-948B-1728B52AA6E4}">
+                <adec:decorative xmlns:adec="http://schemas.microsoft.com/office/drawing/2017/decorative" val="1"/>
+              </a:ext>
+            </a:extLst>
+          </p:cNvPr>
+          <p:cNvCxnSpPr>
+            <a:cxnSpLocks noGrp="1" noRot="1" noChangeAspect="1" noMove="1" noResize="1" noEditPoints="1" noAdjustHandles="1" noChangeArrowheads="1" noChangeShapeType="1"/>
+          </p:cNvCxnSpPr>
+          <p:nvPr>
+            <p:extLst>
+              <p:ext uri="{386F3935-93C4-4BCD-93E2-E3B085C9AB24}">
+                <p16:designElem xmlns:p16="http://schemas.microsoft.com/office/powerpoint/2015/main" val="1"/>
+              </p:ext>
+            </p:extLst>
+          </p:nvPr>
+        </p:nvCxnSpPr>
+        <p:spPr>
+          <a:xfrm>
+            <a:off x="905744" y="3641806"/>
+            <a:ext cx="7406640" cy="0"/>
+          </a:xfrm>
+          <a:prstGeom prst="line">
+            <a:avLst/>
+          </a:prstGeom>
+          <a:ln w="12700">
+            <a:solidFill>
+              <a:schemeClr val="tx1">
+                <a:lumMod val="75000"/>
+                <a:lumOff val="25000"/>
+              </a:schemeClr>
+            </a:solidFill>
+          </a:ln>
+        </p:spPr>
+        <p:style>
+          <a:lnRef idx="1">
+            <a:schemeClr val="accent1"/>
+          </a:lnRef>
+          <a:fillRef idx="0">
+            <a:schemeClr val="accent1"/>
+          </a:fillRef>
+          <a:effectRef idx="0">
+            <a:schemeClr val="accent1"/>
+          </a:effectRef>
+          <a:fontRef idx="minor">
+            <a:schemeClr val="tx1"/>
+          </a:fontRef>
+        </p:style>
+      </p:cxnSp>
+      <p:sp useBgFill="1">
+        <p:nvSpPr>
+          <p:cNvPr id="15" name="Rectangle 14">
+            <a:extLst>
+              <a:ext uri="{FF2B5EF4-FFF2-40B4-BE49-F238E27FC236}">
+                <a16:creationId xmlns:a16="http://schemas.microsoft.com/office/drawing/2014/main" id="{FBDCECDC-EEE3-4128-AA5E-82A8C08796E8}"/>
+              </a:ext>
+              <a:ext uri="{C183D7F6-B498-43B3-948B-1728B52AA6E4}">
+                <adec:decorative xmlns:adec="http://schemas.microsoft.com/office/drawing/2017/decorative" val="1"/>
+              </a:ext>
+            </a:extLst>
+          </p:cNvPr>
+          <p:cNvSpPr>
+            <a:spLocks noGrp="1" noRot="1" noChangeAspect="1" noMove="1" noResize="1" noEditPoints="1" noAdjustHandles="1" noChangeArrowheads="1" noChangeShapeType="1" noTextEdit="1"/>
+          </p:cNvSpPr>
+          <p:nvPr>
+            <p:extLst>
+              <p:ext uri="{386F3935-93C4-4BCD-93E2-E3B085C9AB24}">
+                <p16:designElem xmlns:p16="http://schemas.microsoft.com/office/powerpoint/2015/main" val="1"/>
+              </p:ext>
+            </p:extLst>
+          </p:nvPr>
+        </p:nvSpPr>
+        <p:spPr>
+          <a:xfrm>
+            <a:off x="1130" y="285750"/>
+            <a:ext cx="9144000" cy="5143500"/>
+          </a:xfrm>
+          <a:prstGeom prst="rect">
+            <a:avLst/>
+          </a:prstGeom>
+          <a:ln>
+            <a:noFill/>
+          </a:ln>
+        </p:spPr>
+        <p:style>
+          <a:lnRef idx="2">
+            <a:schemeClr val="accent1">
+              <a:shade val="50000"/>
+            </a:schemeClr>
+          </a:lnRef>
+          <a:fillRef idx="1">
+            <a:schemeClr val="accent1"/>
+          </a:fillRef>
+          <a:effectRef idx="0">
+            <a:schemeClr val="accent1"/>
+          </a:effectRef>
+          <a:fontRef idx="minor">
+            <a:schemeClr val="lt1"/>
+          </a:fontRef>
+        </p:style>
+        <p:txBody>
+          <a:bodyPr rtlCol="0" anchor="ctr"/>
+          <a:lstStyle/>
+          <a:p>
+            <a:pPr algn="ctr"/>
+            <a:endParaRPr lang="en-US" sz="1053"/>
+          </a:p>
+        </p:txBody>
+      </p:sp>
+      <p:sp>
+        <p:nvSpPr>
+          <p:cNvPr id="4" name="Title 3">
+            <a:extLst>
+              <a:ext uri="{FF2B5EF4-FFF2-40B4-BE49-F238E27FC236}">
+                <a16:creationId xmlns:a16="http://schemas.microsoft.com/office/drawing/2014/main" id="{7ABE1520-F624-4307-808C-6CAEF27F584A}"/>
+              </a:ext>
+            </a:extLst>
+          </p:cNvPr>
+          <p:cNvSpPr>
+            <a:spLocks noGrp="1"/>
+          </p:cNvSpPr>
+          <p:nvPr>
+            <p:ph type="title"/>
+          </p:nvPr>
+        </p:nvSpPr>
+        <p:spPr>
+          <a:xfrm>
+            <a:off x="822960" y="854964"/>
+            <a:ext cx="7543800" cy="2919126"/>
+          </a:xfrm>
+        </p:spPr>
+        <p:txBody>
+          <a:bodyPr vert="horz" lIns="68580" tIns="34290" rIns="68580" bIns="34290" rtlCol="0" anchor="b">
+            <a:normAutofit/>
+          </a:bodyPr>
+          <a:lstStyle/>
+          <a:p>
+            <a:pPr algn="ctr"/>
+            <a:r>
+              <a:rPr lang="en-US" sz="7200" dirty="0">
+                <a:solidFill>
+                  <a:schemeClr val="tx1">
+                    <a:lumMod val="85000"/>
+                    <a:lumOff val="15000"/>
+                  </a:schemeClr>
+                </a:solidFill>
+              </a:rPr>
+              <a:t>End Slide</a:t>
+            </a:r>
+          </a:p>
+        </p:txBody>
+      </p:sp>
+      <p:sp>
+        <p:nvSpPr>
+          <p:cNvPr id="17" name="Rectangle 16">
+            <a:extLst>
+              <a:ext uri="{FF2B5EF4-FFF2-40B4-BE49-F238E27FC236}">
+                <a16:creationId xmlns:a16="http://schemas.microsoft.com/office/drawing/2014/main" id="{4260EDE0-989C-4E16-AF94-F652294D828E}"/>
+              </a:ext>
+              <a:ext uri="{C183D7F6-B498-43B3-948B-1728B52AA6E4}">
+                <adec:decorative xmlns:adec="http://schemas.microsoft.com/office/drawing/2017/decorative" val="1"/>
+              </a:ext>
+            </a:extLst>
+          </p:cNvPr>
+          <p:cNvSpPr>
+            <a:spLocks noGrp="1" noRot="1" noChangeAspect="1" noMove="1" noResize="1" noEditPoints="1" noAdjustHandles="1" noChangeArrowheads="1" noChangeShapeType="1" noTextEdit="1"/>
+          </p:cNvSpPr>
+          <p:nvPr>
+            <p:extLst>
+              <p:ext uri="{386F3935-93C4-4BCD-93E2-E3B085C9AB24}">
+                <p16:designElem xmlns:p16="http://schemas.microsoft.com/office/powerpoint/2015/main" val="1"/>
+              </p:ext>
+            </p:extLst>
+          </p:nvPr>
+        </p:nvSpPr>
+        <p:spPr bwMode="white">
+          <a:xfrm>
+            <a:off x="1130" y="4000500"/>
+            <a:ext cx="9141714" cy="1428750"/>
+          </a:xfrm>
+          <a:prstGeom prst="rect">
+            <a:avLst/>
+          </a:prstGeom>
+          <a:solidFill>
+            <a:srgbClr val="262626"/>
+          </a:solidFill>
+          <a:ln>
+            <a:noFill/>
+          </a:ln>
+        </p:spPr>
+        <p:style>
+          <a:lnRef idx="2">
+            <a:schemeClr val="accent1">
+              <a:shade val="50000"/>
+            </a:schemeClr>
+          </a:lnRef>
+          <a:fillRef idx="1">
+            <a:schemeClr val="accent1"/>
+          </a:fillRef>
+          <a:effectRef idx="0">
+            <a:schemeClr val="accent1"/>
+          </a:effectRef>
+          <a:fontRef idx="minor">
+            <a:schemeClr val="lt1"/>
+          </a:fontRef>
+        </p:style>
+      </p:sp>
+    </p:spTree>
+    <p:extLst>
+      <p:ext uri="{BB962C8B-B14F-4D97-AF65-F5344CB8AC3E}">
+        <p14:creationId xmlns:p14="http://schemas.microsoft.com/office/powerpoint/2010/main" val="4161420525"/>
+      </p:ext>
+    </p:extLst>
+  </p:cSld>
+  <p:clrMapOvr>
+    <a:masterClrMapping/>
   </p:clrMapOvr>
 </p:sld>
 </file>
@@ -3788,10 +4417,10 @@
       </p:grpSpPr>
       <p:sp useBgFill="1">
         <p:nvSpPr>
-          <p:cNvPr id="10" name="Rectangle 9">
-            <a:extLst>
-              <a:ext uri="{FF2B5EF4-FFF2-40B4-BE49-F238E27FC236}">
-                <a16:creationId xmlns:a16="http://schemas.microsoft.com/office/drawing/2014/main" id="{EE1530B0-6F96-46C0-8B3E-3215CB756BE4}"/>
+          <p:cNvPr id="71" name="Rectangle 70">
+            <a:extLst>
+              <a:ext uri="{FF2B5EF4-FFF2-40B4-BE49-F238E27FC236}">
+                <a16:creationId xmlns:a16="http://schemas.microsoft.com/office/drawing/2014/main" id="{F4FAA6B4-BAFB-4474-9B14-DC83A9096513}"/>
               </a:ext>
               <a:ext uri="{C183D7F6-B498-43B3-948B-1728B52AA6E4}">
                 <adec:decorative xmlns:adec="http://schemas.microsoft.com/office/drawing/2017/decorative" val="1"/>
@@ -3811,8 +4440,8 @@
         </p:nvSpPr>
         <p:spPr>
           <a:xfrm>
-            <a:off x="5685" y="0"/>
-            <a:ext cx="12186315" cy="6858000"/>
+            <a:off x="0" y="0"/>
+            <a:ext cx="9144000" cy="5715000"/>
           </a:xfrm>
           <a:prstGeom prst="rect">
             <a:avLst/>
@@ -3823,15 +4452,15 @@
         </p:spPr>
         <p:style>
           <a:lnRef idx="2">
-            <a:schemeClr val="accent6">
+            <a:schemeClr val="accent1">
               <a:shade val="50000"/>
             </a:schemeClr>
           </a:lnRef>
-          <a:fillRef idx="1001">
-            <a:schemeClr val="lt1"/>
+          <a:fillRef idx="1">
+            <a:schemeClr val="accent1"/>
           </a:fillRef>
           <a:effectRef idx="0">
-            <a:schemeClr val="accent6"/>
+            <a:schemeClr val="accent1"/>
           </a:effectRef>
           <a:fontRef idx="minor">
             <a:schemeClr val="lt1"/>
@@ -3841,55 +4470,62 @@
           <a:bodyPr rtlCol="0" anchor="ctr"/>
           <a:lstStyle/>
           <a:p>
-            <a:pPr marL="0" marR="0" lvl="0" indent="0" algn="ctr" defTabSz="914400" rtl="0" eaLnBrk="1" fontAlgn="auto" latinLnBrk="0" hangingPunct="1">
-              <a:lnSpc>
-                <a:spcPct val="100000"/>
-              </a:lnSpc>
-              <a:spcBef>
-                <a:spcPts val="0"/>
-              </a:spcBef>
-              <a:spcAft>
-                <a:spcPts val="0"/>
-              </a:spcAft>
-              <a:buClrTx/>
-              <a:buSzTx/>
-              <a:buFontTx/>
-              <a:buNone/>
-              <a:tabLst/>
-              <a:defRPr/>
-            </a:pPr>
-            <a:endParaRPr kumimoji="0" lang="en-US" sz="1800" b="0" i="0" u="none" strike="noStrike" kern="1200" cap="none" spc="0" normalizeH="0" baseline="0" noProof="0" dirty="0">
-              <a:ln>
-                <a:noFill/>
-              </a:ln>
-              <a:solidFill>
-                <a:prstClr val="white"/>
-              </a:solidFill>
-              <a:effectLst/>
-              <a:uLnTx/>
-              <a:uFillTx/>
-              <a:latin typeface="Franklin Gothic Book" panose="020F0502020204030204"/>
-              <a:ea typeface="+mn-ea"/>
-              <a:cs typeface="+mn-cs"/>
-            </a:endParaRPr>
-          </a:p>
-        </p:txBody>
-      </p:sp>
-      <p:sp>
-        <p:nvSpPr>
-          <p:cNvPr id="12" name="Rectangle 11">
-            <a:extLst>
-              <a:ext uri="{FF2B5EF4-FFF2-40B4-BE49-F238E27FC236}">
-                <a16:creationId xmlns:a16="http://schemas.microsoft.com/office/drawing/2014/main" id="{754910CF-1B56-45D3-960A-E89F7B3B9131}"/>
+            <a:pPr algn="ctr"/>
+            <a:endParaRPr lang="en-US"/>
+          </a:p>
+        </p:txBody>
+      </p:sp>
+      <p:sp>
+        <p:nvSpPr>
+          <p:cNvPr id="2" name="Title 1">
+            <a:extLst>
+              <a:ext uri="{FF2B5EF4-FFF2-40B4-BE49-F238E27FC236}">
+                <a16:creationId xmlns:a16="http://schemas.microsoft.com/office/drawing/2014/main" id="{0AE422CB-EBC9-4703-870C-8981A495893A}"/>
+              </a:ext>
+            </a:extLst>
+          </p:cNvPr>
+          <p:cNvSpPr>
+            <a:spLocks noGrp="1"/>
+          </p:cNvSpPr>
+          <p:nvPr>
+            <p:ph type="title"/>
+          </p:nvPr>
+        </p:nvSpPr>
+        <p:spPr>
+          <a:xfrm>
+            <a:off x="822960" y="238835"/>
+            <a:ext cx="7543800" cy="1208965"/>
+          </a:xfrm>
+        </p:spPr>
+        <p:txBody>
+          <a:bodyPr vert="horz" lIns="91440" tIns="45720" rIns="91440" bIns="45720" rtlCol="0" anchor="b">
+            <a:normAutofit/>
+          </a:bodyPr>
+          <a:lstStyle/>
+          <a:p>
+            <a:pPr defTabSz="914400"/>
+            <a:r>
+              <a:rPr lang="en-US" sz="4800" spc="-50"/>
+              <a:t>What’s the problem?</a:t>
+            </a:r>
+          </a:p>
+        </p:txBody>
+      </p:sp>
+      <p:cxnSp>
+        <p:nvCxnSpPr>
+          <p:cNvPr id="73" name="!!Straight Connector">
+            <a:extLst>
+              <a:ext uri="{FF2B5EF4-FFF2-40B4-BE49-F238E27FC236}">
+                <a16:creationId xmlns:a16="http://schemas.microsoft.com/office/drawing/2014/main" id="{4364CDC3-ADB0-4691-9286-5925F160C2D5}"/>
               </a:ext>
               <a:ext uri="{C183D7F6-B498-43B3-948B-1728B52AA6E4}">
                 <adec:decorative xmlns:adec="http://schemas.microsoft.com/office/drawing/2017/decorative" val="1"/>
               </a:ext>
             </a:extLst>
           </p:cNvPr>
-          <p:cNvSpPr>
-            <a:spLocks noGrp="1" noRot="1" noChangeAspect="1" noMove="1" noResize="1" noEditPoints="1" noAdjustHandles="1" noChangeArrowheads="1" noChangeShapeType="1" noTextEdit="1"/>
-          </p:cNvSpPr>
+          <p:cNvCxnSpPr>
+            <a:cxnSpLocks noGrp="1" noRot="1" noChangeAspect="1" noMove="1" noResize="1" noEditPoints="1" noAdjustHandles="1" noChangeArrowheads="1" noChangeShapeType="1"/>
+          </p:cNvCxnSpPr>
           <p:nvPr>
             <p:extLst>
               <p:ext uri="{386F3935-93C4-4BCD-93E2-E3B085C9AB24}">
@@ -3897,20 +4533,164 @@
               </p:ext>
             </p:extLst>
           </p:nvPr>
-        </p:nvSpPr>
+        </p:nvCxnSpPr>
         <p:spPr>
           <a:xfrm>
-            <a:off x="16" y="0"/>
-            <a:ext cx="4050791" cy="6858000"/>
+            <a:off x="895149" y="1581150"/>
+            <a:ext cx="7475220" cy="0"/>
+          </a:xfrm>
+          <a:prstGeom prst="line">
+            <a:avLst/>
+          </a:prstGeom>
+          <a:ln w="12700">
+            <a:solidFill>
+              <a:schemeClr val="tx1">
+                <a:lumMod val="75000"/>
+                <a:lumOff val="25000"/>
+              </a:schemeClr>
+            </a:solidFill>
+          </a:ln>
+        </p:spPr>
+        <p:style>
+          <a:lnRef idx="1">
+            <a:schemeClr val="accent1"/>
+          </a:lnRef>
+          <a:fillRef idx="0">
+            <a:schemeClr val="accent1"/>
+          </a:fillRef>
+          <a:effectRef idx="0">
+            <a:schemeClr val="accent1"/>
+          </a:effectRef>
+          <a:fontRef idx="minor">
+            <a:schemeClr val="tx1"/>
+          </a:fontRef>
+        </p:style>
+      </p:cxnSp>
+      <p:sp>
+        <p:nvSpPr>
+          <p:cNvPr id="6" name="TextBox 5">
+            <a:extLst>
+              <a:ext uri="{FF2B5EF4-FFF2-40B4-BE49-F238E27FC236}">
+                <a16:creationId xmlns:a16="http://schemas.microsoft.com/office/drawing/2014/main" id="{DA313CD8-3B6B-42FA-B6B8-02ABE88C077E}"/>
+              </a:ext>
+            </a:extLst>
+          </p:cNvPr>
+          <p:cNvSpPr txBox="1"/>
+          <p:nvPr/>
+        </p:nvSpPr>
+        <p:spPr>
+          <a:xfrm>
+            <a:off x="822960" y="1756834"/>
+            <a:ext cx="4181525" cy="3134076"/>
+          </a:xfrm>
+          <a:prstGeom prst="rect">
+            <a:avLst/>
+          </a:prstGeom>
+        </p:spPr>
+        <p:txBody>
+          <a:bodyPr vert="horz" lIns="0" tIns="45720" rIns="0" bIns="45720" rtlCol="0">
+            <a:normAutofit/>
+          </a:bodyPr>
+          <a:lstStyle/>
+          <a:p>
+            <a:pPr algn="ctr" defTabSz="914400">
+              <a:spcAft>
+                <a:spcPts val="600"/>
+              </a:spcAft>
+              <a:buFont typeface="Calibri" panose="020F0502020204030204" pitchFamily="34" charset="0"/>
+            </a:pPr>
+            <a:r>
+              <a:rPr lang="en-US" sz="1800" dirty="0">
+                <a:solidFill>
+                  <a:schemeClr val="tx1">
+                    <a:lumMod val="75000"/>
+                    <a:lumOff val="25000"/>
+                  </a:schemeClr>
+                </a:solidFill>
+              </a:rPr>
+              <a:t>In Dungeons and Dragons, everyone involved must keep track of statistics, modifiers, hp values, and more, erasing and re-writing values constantly. The creation of a Dungeons and Dragons utilities tool is necessary to ensure smooth gameplay, relieve stress, and prevent errors when calculating values.</a:t>
+            </a:r>
+          </a:p>
+        </p:txBody>
+      </p:sp>
+      <p:pic>
+        <p:nvPicPr>
+          <p:cNvPr id="1026" name="Picture 2" descr="Dungeons and Dragons Club / Dungeons and Dragons Club">
+            <a:extLst>
+              <a:ext uri="{FF2B5EF4-FFF2-40B4-BE49-F238E27FC236}">
+                <a16:creationId xmlns:a16="http://schemas.microsoft.com/office/drawing/2014/main" id="{F756E640-D9E1-4839-AC60-B3D52793D98C}"/>
+              </a:ext>
+            </a:extLst>
+          </p:cNvPr>
+          <p:cNvPicPr>
+            <a:picLocks noChangeAspect="1" noChangeArrowheads="1"/>
+          </p:cNvPicPr>
+          <p:nvPr/>
+        </p:nvPicPr>
+        <p:blipFill rotWithShape="1">
+          <a:blip r:embed="rId2">
+            <a:extLst>
+              <a:ext uri="{28A0092B-C50C-407E-A947-70E740481C1C}">
+                <a14:useLocalDpi xmlns:a14="http://schemas.microsoft.com/office/drawing/2010/main" val="0"/>
+              </a:ext>
+            </a:extLst>
+          </a:blip>
+          <a:srcRect r="9486" b="-4"/>
+          <a:stretch/>
+        </p:blipFill>
+        <p:spPr bwMode="auto">
+          <a:xfrm>
+            <a:off x="5650992" y="1756833"/>
+            <a:ext cx="2715768" cy="3000511"/>
+          </a:xfrm>
+          <a:prstGeom prst="rect">
+            <a:avLst/>
+          </a:prstGeom>
+          <a:noFill/>
+          <a:extLst>
+            <a:ext uri="{909E8E84-426E-40DD-AFC4-6F175D3DCCD1}">
+              <a14:hiddenFill xmlns:a14="http://schemas.microsoft.com/office/drawing/2010/main">
+                <a:solidFill>
+                  <a:srgbClr val="FFFFFF"/>
+                </a:solidFill>
+              </a14:hiddenFill>
+            </a:ext>
+          </a:extLst>
+        </p:spPr>
+      </p:pic>
+      <p:sp>
+        <p:nvSpPr>
+          <p:cNvPr id="75" name="Rectangle 74">
+            <a:extLst>
+              <a:ext uri="{FF2B5EF4-FFF2-40B4-BE49-F238E27FC236}">
+                <a16:creationId xmlns:a16="http://schemas.microsoft.com/office/drawing/2014/main" id="{DB148495-5F82-48E2-A76C-C8E1C8949940}"/>
+              </a:ext>
+              <a:ext uri="{C183D7F6-B498-43B3-948B-1728B52AA6E4}">
+                <adec:decorative xmlns:adec="http://schemas.microsoft.com/office/drawing/2017/decorative" val="1"/>
+              </a:ext>
+            </a:extLst>
+          </p:cNvPr>
+          <p:cNvSpPr>
+            <a:spLocks noGrp="1" noRot="1" noChangeAspect="1" noMove="1" noResize="1" noEditPoints="1" noAdjustHandles="1" noChangeArrowheads="1" noChangeShapeType="1" noTextEdit="1"/>
+          </p:cNvSpPr>
+          <p:nvPr>
+            <p:extLst>
+              <p:ext uri="{386F3935-93C4-4BCD-93E2-E3B085C9AB24}">
+                <p16:designElem xmlns:p16="http://schemas.microsoft.com/office/powerpoint/2015/main" val="1"/>
+              </p:ext>
+            </p:extLst>
+          </p:nvPr>
+        </p:nvSpPr>
+        <p:spPr>
+          <a:xfrm>
+            <a:off x="0" y="5334000"/>
+            <a:ext cx="9144000" cy="381000"/>
           </a:xfrm>
           <a:prstGeom prst="rect">
             <a:avLst/>
           </a:prstGeom>
           <a:solidFill>
-            <a:schemeClr val="tx1">
-              <a:lumMod val="85000"/>
-              <a:lumOff val="15000"/>
-            </a:schemeClr>
+            <a:srgbClr val="262626"/>
           </a:solidFill>
           <a:ln>
             <a:noFill/>
@@ -3933,271 +4713,6 @@
           </a:fontRef>
         </p:style>
       </p:sp>
-      <p:sp>
-        <p:nvSpPr>
-          <p:cNvPr id="2" name="Title 1">
-            <a:extLst>
-              <a:ext uri="{FF2B5EF4-FFF2-40B4-BE49-F238E27FC236}">
-                <a16:creationId xmlns:a16="http://schemas.microsoft.com/office/drawing/2014/main" id="{0AE422CB-EBC9-4703-870C-8981A495893A}"/>
-              </a:ext>
-            </a:extLst>
-          </p:cNvPr>
-          <p:cNvSpPr>
-            <a:spLocks noGrp="1"/>
-          </p:cNvSpPr>
-          <p:nvPr>
-            <p:ph type="title"/>
-          </p:nvPr>
-        </p:nvSpPr>
-        <p:spPr>
-          <a:xfrm>
-            <a:off x="492370" y="516835"/>
-            <a:ext cx="3084844" cy="5772840"/>
-          </a:xfrm>
-        </p:spPr>
-        <p:txBody>
-          <a:bodyPr anchor="ctr">
-            <a:normAutofit/>
-          </a:bodyPr>
-          <a:lstStyle/>
-          <a:p>
-            <a:r>
-              <a:rPr lang="en-US" sz="3600" dirty="0">
-                <a:solidFill>
-                  <a:schemeClr val="bg1"/>
-                </a:solidFill>
-              </a:rPr>
-              <a:t>Project Description</a:t>
-            </a:r>
-          </a:p>
-        </p:txBody>
-      </p:sp>
-      <p:sp>
-        <p:nvSpPr>
-          <p:cNvPr id="5" name="TextBox 4">
-            <a:extLst>
-              <a:ext uri="{FF2B5EF4-FFF2-40B4-BE49-F238E27FC236}">
-                <a16:creationId xmlns:a16="http://schemas.microsoft.com/office/drawing/2014/main" id="{B6F82EF8-2EF3-47DE-BE6D-53BC4B249B67}"/>
-              </a:ext>
-            </a:extLst>
-          </p:cNvPr>
-          <p:cNvSpPr txBox="1"/>
-          <p:nvPr/>
-        </p:nvSpPr>
-        <p:spPr>
-          <a:xfrm>
-            <a:off x="5611294" y="0"/>
-            <a:ext cx="5020219" cy="769441"/>
-          </a:xfrm>
-          <a:prstGeom prst="rect">
-            <a:avLst/>
-          </a:prstGeom>
-          <a:noFill/>
-        </p:spPr>
-        <p:txBody>
-          <a:bodyPr wrap="square" rtlCol="0">
-            <a:spAutoFit/>
-          </a:bodyPr>
-          <a:lstStyle/>
-          <a:p>
-            <a:r>
-              <a:rPr lang="en-US" sz="4400" u="sng" dirty="0">
-                <a:latin typeface="+mj-lt"/>
-              </a:rPr>
-              <a:t>The Tool of Many</a:t>
-            </a:r>
-          </a:p>
-        </p:txBody>
-      </p:sp>
-      <p:sp>
-        <p:nvSpPr>
-          <p:cNvPr id="6" name="TextBox 5">
-            <a:extLst>
-              <a:ext uri="{FF2B5EF4-FFF2-40B4-BE49-F238E27FC236}">
-                <a16:creationId xmlns:a16="http://schemas.microsoft.com/office/drawing/2014/main" id="{DA313CD8-3B6B-42FA-B6B8-02ABE88C077E}"/>
-              </a:ext>
-            </a:extLst>
-          </p:cNvPr>
-          <p:cNvSpPr txBox="1"/>
-          <p:nvPr/>
-        </p:nvSpPr>
-        <p:spPr>
-          <a:xfrm>
-            <a:off x="4581525" y="990600"/>
-            <a:ext cx="7191375" cy="1569660"/>
-          </a:xfrm>
-          <a:prstGeom prst="rect">
-            <a:avLst/>
-          </a:prstGeom>
-          <a:noFill/>
-        </p:spPr>
-        <p:txBody>
-          <a:bodyPr wrap="square" rtlCol="0">
-            <a:spAutoFit/>
-          </a:bodyPr>
-          <a:lstStyle/>
-          <a:p>
-            <a:pPr algn="ctr"/>
-            <a:r>
-              <a:rPr lang="en-US" sz="2400" dirty="0"/>
-              <a:t>The Tool of Many is an all-in-one dungeon master software tool that provides an avenue for running and testing combat encounters through an easy-to-use interface.</a:t>
-            </a:r>
-          </a:p>
-        </p:txBody>
-      </p:sp>
-      <p:sp>
-        <p:nvSpPr>
-          <p:cNvPr id="8" name="TextBox 7">
-            <a:extLst>
-              <a:ext uri="{FF2B5EF4-FFF2-40B4-BE49-F238E27FC236}">
-                <a16:creationId xmlns:a16="http://schemas.microsoft.com/office/drawing/2014/main" id="{52CDA413-01A2-44FE-8716-899094049A38}"/>
-              </a:ext>
-            </a:extLst>
-          </p:cNvPr>
-          <p:cNvSpPr txBox="1"/>
-          <p:nvPr/>
-        </p:nvSpPr>
-        <p:spPr>
-          <a:xfrm>
-            <a:off x="4144716" y="3185620"/>
-            <a:ext cx="4885508" cy="2677656"/>
-          </a:xfrm>
-          <a:prstGeom prst="rect">
-            <a:avLst/>
-          </a:prstGeom>
-          <a:noFill/>
-        </p:spPr>
-        <p:txBody>
-          <a:bodyPr wrap="square" rtlCol="0">
-            <a:spAutoFit/>
-          </a:bodyPr>
-          <a:lstStyle/>
-          <a:p>
-            <a:pPr marL="285750" indent="-285750">
-              <a:buFont typeface="Arial" panose="020B0604020202020204" pitchFamily="34" charset="0"/>
-              <a:buChar char="•"/>
-            </a:pPr>
-            <a:r>
-              <a:rPr lang="en-US" sz="2400" dirty="0"/>
-              <a:t>Rolling Dice</a:t>
-            </a:r>
-          </a:p>
-          <a:p>
-            <a:pPr marL="285750" indent="-285750">
-              <a:buFont typeface="Arial" panose="020B0604020202020204" pitchFamily="34" charset="0"/>
-              <a:buChar char="•"/>
-            </a:pPr>
-            <a:r>
-              <a:rPr lang="en-US" sz="2400" dirty="0"/>
-              <a:t>Tracking player and monster health</a:t>
-            </a:r>
-          </a:p>
-          <a:p>
-            <a:pPr marL="285750" indent="-285750">
-              <a:buFont typeface="Arial" panose="020B0604020202020204" pitchFamily="34" charset="0"/>
-              <a:buChar char="•"/>
-            </a:pPr>
-            <a:r>
-              <a:rPr lang="en-US" sz="2400" dirty="0"/>
-              <a:t>Automatically tracking spell effects and damage</a:t>
-            </a:r>
-          </a:p>
-          <a:p>
-            <a:pPr marL="285750" indent="-285750">
-              <a:buFont typeface="Arial" panose="020B0604020202020204" pitchFamily="34" charset="0"/>
-              <a:buChar char="•"/>
-            </a:pPr>
-            <a:r>
-              <a:rPr lang="en-US" sz="2400" dirty="0"/>
-              <a:t>Easily referenceable character sheets and monster stats</a:t>
-            </a:r>
-          </a:p>
-        </p:txBody>
-      </p:sp>
-      <p:sp>
-        <p:nvSpPr>
-          <p:cNvPr id="11" name="TextBox 10">
-            <a:extLst>
-              <a:ext uri="{FF2B5EF4-FFF2-40B4-BE49-F238E27FC236}">
-                <a16:creationId xmlns:a16="http://schemas.microsoft.com/office/drawing/2014/main" id="{0A9EFF11-1239-42B9-B4CB-39390E363F8C}"/>
-              </a:ext>
-            </a:extLst>
-          </p:cNvPr>
-          <p:cNvSpPr txBox="1"/>
-          <p:nvPr/>
-        </p:nvSpPr>
-        <p:spPr>
-          <a:xfrm>
-            <a:off x="4144716" y="2662400"/>
-            <a:ext cx="5020219" cy="523220"/>
-          </a:xfrm>
-          <a:prstGeom prst="rect">
-            <a:avLst/>
-          </a:prstGeom>
-          <a:noFill/>
-        </p:spPr>
-        <p:txBody>
-          <a:bodyPr wrap="square" rtlCol="0">
-            <a:spAutoFit/>
-          </a:bodyPr>
-          <a:lstStyle/>
-          <a:p>
-            <a:r>
-              <a:rPr lang="en-US" sz="2800" u="sng" dirty="0">
-                <a:latin typeface="+mj-lt"/>
-              </a:rPr>
-              <a:t>Functionalities</a:t>
-            </a:r>
-          </a:p>
-        </p:txBody>
-      </p:sp>
-      <p:pic>
-        <p:nvPicPr>
-          <p:cNvPr id="1026" name="Picture 2" descr="Dungeons and Dragons Club / Dungeons and Dragons Club">
-            <a:extLst>
-              <a:ext uri="{FF2B5EF4-FFF2-40B4-BE49-F238E27FC236}">
-                <a16:creationId xmlns:a16="http://schemas.microsoft.com/office/drawing/2014/main" id="{F756E640-D9E1-4839-AC60-B3D52793D98C}"/>
-              </a:ext>
-            </a:extLst>
-          </p:cNvPr>
-          <p:cNvPicPr>
-            <a:picLocks noChangeAspect="1" noChangeArrowheads="1"/>
-          </p:cNvPicPr>
-          <p:nvPr/>
-        </p:nvPicPr>
-        <p:blipFill>
-          <a:blip r:embed="rId2">
-            <a:extLst>
-              <a:ext uri="{28A0092B-C50C-407E-A947-70E740481C1C}">
-                <a14:useLocalDpi xmlns:a14="http://schemas.microsoft.com/office/drawing/2010/main" val="0"/>
-              </a:ext>
-            </a:extLst>
-          </a:blip>
-          <a:srcRect/>
-          <a:stretch>
-            <a:fillRect/>
-          </a:stretch>
-        </p:blipFill>
-        <p:spPr bwMode="auto">
-          <a:xfrm>
-            <a:off x="9030224" y="2862517"/>
-            <a:ext cx="3067866" cy="3067866"/>
-          </a:xfrm>
-          <a:prstGeom prst="rect">
-            <a:avLst/>
-          </a:prstGeom>
-          <a:noFill/>
-          <a:extLst>
-            <a:ext uri="{909E8E84-426E-40DD-AFC4-6F175D3DCCD1}">
-              <a14:hiddenFill xmlns:a14="http://schemas.microsoft.com/office/drawing/2010/main">
-                <a:solidFill>
-                  <a:srgbClr val="FFFFFF"/>
-                </a:solidFill>
-              </a14:hiddenFill>
-            </a:ext>
-          </a:extLst>
-        </p:spPr>
-      </p:pic>
     </p:spTree>
     <p:extLst>
       <p:ext uri="{BB962C8B-B14F-4D97-AF65-F5344CB8AC3E}">
@@ -4270,8 +4785,8 @@
         </p:nvSpPr>
         <p:spPr>
           <a:xfrm>
-            <a:off x="1219200" y="2048933"/>
-            <a:ext cx="9936480" cy="3416320"/>
+            <a:off x="914400" y="1822450"/>
+            <a:ext cx="7452360" cy="2585323"/>
           </a:xfrm>
           <a:prstGeom prst="rect">
             <a:avLst/>
@@ -4284,82 +4799,82 @@
           </a:bodyPr>
           <a:lstStyle/>
           <a:p>
-            <a:pPr marL="285750" indent="-285750">
+            <a:pPr marL="214313" indent="-214313">
               <a:buFont typeface="Arial" panose="020B0604020202020204" pitchFamily="34" charset="0"/>
               <a:buChar char="•"/>
             </a:pPr>
             <a:r>
-              <a:rPr lang="en-US" sz="2400" dirty="0"/>
+              <a:rPr lang="en-US" sz="1800" dirty="0"/>
               <a:t>I enjoy tabletop role-playing games and have played fifth edition Dungeons and Dragons for nearly 4 years now.</a:t>
             </a:r>
           </a:p>
           <a:p>
-            <a:pPr marL="285750" indent="-285750">
+            <a:pPr marL="214313" indent="-214313">
               <a:buFont typeface="Arial" panose="020B0604020202020204" pitchFamily="34" charset="0"/>
               <a:buChar char="•"/>
             </a:pPr>
             <a:r>
-              <a:rPr lang="en-US" sz="2400" dirty="0"/>
+              <a:rPr lang="en-US" sz="1800" dirty="0"/>
               <a:t>Previous tools I have used never felt quite right, having problems such as:</a:t>
             </a:r>
           </a:p>
           <a:p>
-            <a:pPr marL="742950" lvl="1" indent="-285750">
+            <a:pPr marL="557213" lvl="1" indent="-214313">
               <a:buFont typeface="Arial" panose="020B0604020202020204" pitchFamily="34" charset="0"/>
               <a:buChar char="•"/>
             </a:pPr>
             <a:r>
-              <a:rPr lang="en-US" sz="2400" dirty="0"/>
+              <a:rPr lang="en-US" sz="1800" dirty="0"/>
               <a:t>Difficult interface</a:t>
             </a:r>
           </a:p>
           <a:p>
-            <a:pPr marL="742950" lvl="1" indent="-285750">
+            <a:pPr marL="557213" lvl="1" indent="-214313">
               <a:buFont typeface="Arial" panose="020B0604020202020204" pitchFamily="34" charset="0"/>
               <a:buChar char="•"/>
             </a:pPr>
             <a:r>
-              <a:rPr lang="en-US" sz="2400" dirty="0"/>
+              <a:rPr lang="en-US" sz="1800" dirty="0"/>
               <a:t>Felt Clunky</a:t>
             </a:r>
           </a:p>
           <a:p>
-            <a:pPr marL="742950" lvl="1" indent="-285750">
+            <a:pPr marL="557213" lvl="1" indent="-214313">
               <a:buFont typeface="Arial" panose="020B0604020202020204" pitchFamily="34" charset="0"/>
               <a:buChar char="•"/>
             </a:pPr>
             <a:r>
-              <a:rPr lang="en-US" sz="2400" dirty="0"/>
+              <a:rPr lang="en-US" sz="1800" dirty="0"/>
               <a:t>Lacked functionalities I thought obvious</a:t>
             </a:r>
           </a:p>
           <a:p>
-            <a:pPr marL="742950" lvl="1" indent="-285750">
+            <a:pPr marL="557213" lvl="1" indent="-214313">
               <a:buFont typeface="Arial" panose="020B0604020202020204" pitchFamily="34" charset="0"/>
               <a:buChar char="•"/>
             </a:pPr>
             <a:r>
-              <a:rPr lang="en-US" sz="2400" dirty="0"/>
+              <a:rPr lang="en-US" sz="1800" dirty="0"/>
               <a:t>Paid to use</a:t>
             </a:r>
           </a:p>
           <a:p>
-            <a:pPr marL="285750" indent="-285750">
+            <a:pPr marL="214313" indent="-214313">
               <a:buFont typeface="Arial" panose="020B0604020202020204" pitchFamily="34" charset="0"/>
               <a:buChar char="•"/>
             </a:pPr>
             <a:r>
-              <a:rPr lang="en-US" sz="2400" dirty="0"/>
-              <a:t>The desire to create something I felt was of a commercial level</a:t>
-            </a:r>
-          </a:p>
-          <a:p>
-            <a:pPr marL="285750" indent="-285750">
+              <a:rPr lang="en-US" sz="1800" dirty="0"/>
+              <a:t>The desire to create something I felt was my own project</a:t>
+            </a:r>
+          </a:p>
+          <a:p>
+            <a:pPr marL="214313" indent="-214313">
               <a:buFont typeface="Arial" panose="020B0604020202020204" pitchFamily="34" charset="0"/>
               <a:buChar char="•"/>
             </a:pPr>
             <a:r>
-              <a:rPr lang="en-US" sz="2400" dirty="0"/>
+              <a:rPr lang="en-US" sz="1800" dirty="0"/>
               <a:t>Personal use</a:t>
             </a:r>
           </a:p>
@@ -4400,7 +4915,7 @@
           <p:cNvPr id="2" name="Title 1">
             <a:extLst>
               <a:ext uri="{FF2B5EF4-FFF2-40B4-BE49-F238E27FC236}">
-                <a16:creationId xmlns:a16="http://schemas.microsoft.com/office/drawing/2014/main" id="{591F16CB-949B-4720-B38F-50C16341060A}"/>
+                <a16:creationId xmlns:a16="http://schemas.microsoft.com/office/drawing/2014/main" id="{CBED31FD-3C83-4047-B17E-0F42C3ADB5C4}"/>
               </a:ext>
             </a:extLst>
           </p:cNvPr>
@@ -4418,233 +4933,159 @@
           <a:p>
             <a:r>
               <a:rPr lang="en-US" dirty="0"/>
-              <a:t>Hardware/Software Requirements</a:t>
-            </a:r>
-          </a:p>
-        </p:txBody>
-      </p:sp>
-      <p:sp>
-        <p:nvSpPr>
-          <p:cNvPr id="4" name="TextBox 3">
-            <a:extLst>
-              <a:ext uri="{FF2B5EF4-FFF2-40B4-BE49-F238E27FC236}">
-                <a16:creationId xmlns:a16="http://schemas.microsoft.com/office/drawing/2014/main" id="{E07D3876-A7A0-4A21-A5AD-39335D491B36}"/>
-              </a:ext>
-            </a:extLst>
-          </p:cNvPr>
-          <p:cNvSpPr txBox="1"/>
-          <p:nvPr/>
-        </p:nvSpPr>
-        <p:spPr>
-          <a:xfrm>
-            <a:off x="1097280" y="1981199"/>
-            <a:ext cx="2912533" cy="646331"/>
-          </a:xfrm>
-          <a:prstGeom prst="rect">
-            <a:avLst/>
-          </a:prstGeom>
-          <a:noFill/>
-        </p:spPr>
-        <p:txBody>
-          <a:bodyPr wrap="square" rtlCol="0">
-            <a:spAutoFit/>
+              <a:t>Research and Background</a:t>
+            </a:r>
+          </a:p>
+        </p:txBody>
+      </p:sp>
+      <p:sp>
+        <p:nvSpPr>
+          <p:cNvPr id="3" name="Content Placeholder 2">
+            <a:extLst>
+              <a:ext uri="{FF2B5EF4-FFF2-40B4-BE49-F238E27FC236}">
+                <a16:creationId xmlns:a16="http://schemas.microsoft.com/office/drawing/2014/main" id="{4F20BDCC-953E-496E-8477-B75EB5FB0560}"/>
+              </a:ext>
+            </a:extLst>
+          </p:cNvPr>
+          <p:cNvSpPr>
+            <a:spLocks noGrp="1"/>
+          </p:cNvSpPr>
+          <p:nvPr>
+            <p:ph idx="1"/>
+          </p:nvPr>
+        </p:nvSpPr>
+        <p:spPr/>
+        <p:txBody>
+          <a:bodyPr>
+            <a:normAutofit fontScale="77500" lnSpcReduction="20000"/>
           </a:bodyPr>
           <a:lstStyle/>
           <a:p>
-            <a:r>
-              <a:rPr lang="en-US" sz="3600" dirty="0">
-                <a:latin typeface="+mj-lt"/>
-              </a:rPr>
-              <a:t>Hardware</a:t>
-            </a:r>
-            <a:endParaRPr lang="en-US" sz="1400" dirty="0">
-              <a:latin typeface="+mj-lt"/>
-            </a:endParaRPr>
-          </a:p>
-        </p:txBody>
-      </p:sp>
-      <p:sp>
-        <p:nvSpPr>
-          <p:cNvPr id="5" name="TextBox 4">
-            <a:extLst>
-              <a:ext uri="{FF2B5EF4-FFF2-40B4-BE49-F238E27FC236}">
-                <a16:creationId xmlns:a16="http://schemas.microsoft.com/office/drawing/2014/main" id="{BC21265F-6283-41B2-9111-BAD2D45F7E3F}"/>
-              </a:ext>
-            </a:extLst>
-          </p:cNvPr>
-          <p:cNvSpPr txBox="1"/>
-          <p:nvPr/>
-        </p:nvSpPr>
-        <p:spPr>
-          <a:xfrm>
-            <a:off x="6265332" y="1981198"/>
-            <a:ext cx="2912533" cy="646331"/>
-          </a:xfrm>
-          <a:prstGeom prst="rect">
-            <a:avLst/>
-          </a:prstGeom>
-          <a:noFill/>
-        </p:spPr>
-        <p:txBody>
-          <a:bodyPr wrap="square" rtlCol="0">
-            <a:spAutoFit/>
-          </a:bodyPr>
-          <a:lstStyle/>
-          <a:p>
-            <a:r>
-              <a:rPr lang="en-US" sz="3600" dirty="0">
-                <a:latin typeface="+mj-lt"/>
-              </a:rPr>
-              <a:t>Software</a:t>
-            </a:r>
-            <a:endParaRPr lang="en-US" sz="1400" dirty="0">
-              <a:latin typeface="+mj-lt"/>
-            </a:endParaRPr>
-          </a:p>
-        </p:txBody>
-      </p:sp>
-      <p:sp>
-        <p:nvSpPr>
-          <p:cNvPr id="6" name="TextBox 5">
-            <a:extLst>
-              <a:ext uri="{FF2B5EF4-FFF2-40B4-BE49-F238E27FC236}">
-                <a16:creationId xmlns:a16="http://schemas.microsoft.com/office/drawing/2014/main" id="{5DCBFC05-62F7-4963-9A18-AC540246CFE7}"/>
-              </a:ext>
-            </a:extLst>
-          </p:cNvPr>
-          <p:cNvSpPr txBox="1"/>
-          <p:nvPr/>
-        </p:nvSpPr>
-        <p:spPr>
-          <a:xfrm>
-            <a:off x="1097279" y="2673896"/>
-            <a:ext cx="4829388" cy="2677656"/>
-          </a:xfrm>
-          <a:prstGeom prst="rect">
-            <a:avLst/>
-          </a:prstGeom>
-          <a:noFill/>
-        </p:spPr>
-        <p:txBody>
-          <a:bodyPr wrap="square" rtlCol="0">
-            <a:spAutoFit/>
-          </a:bodyPr>
-          <a:lstStyle/>
-          <a:p>
-            <a:pPr marL="571500" indent="-571500">
+            <a:pPr>
               <a:buFont typeface="Arial" panose="020B0604020202020204" pitchFamily="34" charset="0"/>
               <a:buChar char="•"/>
             </a:pPr>
             <a:r>
-              <a:rPr lang="en-US" sz="2400" dirty="0"/>
-              <a:t>An intel I3 processor or above (or it’s AMD equivalent)</a:t>
-            </a:r>
-          </a:p>
-          <a:p>
-            <a:pPr marL="571500" indent="-571500">
+              <a:rPr lang="en-US" dirty="0"/>
+              <a:t> </a:t>
+            </a:r>
+            <a:r>
+              <a:rPr lang="en-US" sz="1800" dirty="0"/>
+              <a:t>Deciding a language</a:t>
+            </a:r>
+          </a:p>
+          <a:p>
+            <a:pPr lvl="1">
               <a:buFont typeface="Arial" panose="020B0604020202020204" pitchFamily="34" charset="0"/>
               <a:buChar char="•"/>
             </a:pPr>
             <a:r>
-              <a:rPr lang="en-US" sz="2400" dirty="0"/>
-              <a:t>1GB Ram</a:t>
-            </a:r>
-          </a:p>
-          <a:p>
-            <a:pPr marL="571500" indent="-571500">
+              <a:rPr lang="en-US" sz="1800" dirty="0"/>
+              <a:t> C++?</a:t>
+            </a:r>
+          </a:p>
+          <a:p>
+            <a:pPr lvl="1">
               <a:buFont typeface="Arial" panose="020B0604020202020204" pitchFamily="34" charset="0"/>
               <a:buChar char="•"/>
             </a:pPr>
             <a:r>
-              <a:rPr lang="en-US" sz="2400" dirty="0"/>
-              <a:t>Secondary Storage (size depends on amount of data wanting to be stored)</a:t>
-            </a:r>
-          </a:p>
-          <a:p>
-            <a:pPr marL="571500" indent="-571500">
+              <a:rPr lang="en-US" sz="1800" dirty="0"/>
+              <a:t>C#?</a:t>
+            </a:r>
+          </a:p>
+          <a:p>
+            <a:pPr lvl="1">
               <a:buFont typeface="Arial" panose="020B0604020202020204" pitchFamily="34" charset="0"/>
               <a:buChar char="•"/>
             </a:pPr>
             <a:r>
-              <a:rPr lang="en-US" sz="2400" dirty="0"/>
-              <a:t>Keyboard and mouse for input</a:t>
-            </a:r>
-          </a:p>
-        </p:txBody>
-      </p:sp>
-      <p:sp>
-        <p:nvSpPr>
-          <p:cNvPr id="8" name="TextBox 7">
-            <a:extLst>
-              <a:ext uri="{FF2B5EF4-FFF2-40B4-BE49-F238E27FC236}">
-                <a16:creationId xmlns:a16="http://schemas.microsoft.com/office/drawing/2014/main" id="{69C66EA7-D200-4431-9A05-669F365E421D}"/>
-              </a:ext>
-            </a:extLst>
-          </p:cNvPr>
-          <p:cNvSpPr txBox="1"/>
-          <p:nvPr/>
-        </p:nvSpPr>
-        <p:spPr>
-          <a:xfrm>
-            <a:off x="6265332" y="2673896"/>
-            <a:ext cx="4829388" cy="1938992"/>
-          </a:xfrm>
-          <a:prstGeom prst="rect">
-            <a:avLst/>
-          </a:prstGeom>
-          <a:noFill/>
-        </p:spPr>
-        <p:txBody>
-          <a:bodyPr wrap="square" rtlCol="0">
-            <a:spAutoFit/>
-          </a:bodyPr>
-          <a:lstStyle/>
-          <a:p>
-            <a:pPr marL="571500" indent="-571500">
+              <a:rPr lang="en-US" sz="1800" dirty="0"/>
+              <a:t>Python?</a:t>
+            </a:r>
+          </a:p>
+          <a:p>
+            <a:pPr>
               <a:buFont typeface="Arial" panose="020B0604020202020204" pitchFamily="34" charset="0"/>
               <a:buChar char="•"/>
             </a:pPr>
             <a:r>
-              <a:rPr lang="en-US" sz="2400" dirty="0"/>
-              <a:t>A Linux based operating system</a:t>
-            </a:r>
-          </a:p>
-          <a:p>
-            <a:pPr marL="571500" indent="-571500">
+              <a:rPr lang="en-US" sz="1800" dirty="0"/>
+              <a:t> How GUI’s work in these languages</a:t>
+            </a:r>
+          </a:p>
+          <a:p>
+            <a:pPr>
               <a:buFont typeface="Arial" panose="020B0604020202020204" pitchFamily="34" charset="0"/>
               <a:buChar char="•"/>
             </a:pPr>
             <a:r>
-              <a:rPr lang="en-US" sz="2400" dirty="0"/>
-              <a:t>G++ compiler (if dynamically compiled)</a:t>
-            </a:r>
-          </a:p>
-          <a:p>
-            <a:pPr marL="571500" indent="-571500">
+              <a:rPr lang="en-US" sz="1800" dirty="0"/>
+              <a:t> Availability of libraries</a:t>
+            </a:r>
+          </a:p>
+          <a:p>
+            <a:pPr lvl="1">
               <a:buFont typeface="Arial" panose="020B0604020202020204" pitchFamily="34" charset="0"/>
               <a:buChar char="•"/>
             </a:pPr>
             <a:r>
-              <a:rPr lang="en-US" sz="2400" dirty="0"/>
-              <a:t>SQLite</a:t>
-            </a:r>
-          </a:p>
-          <a:p>
-            <a:pPr marL="571500" indent="-571500">
+              <a:rPr lang="en-US" sz="1800" dirty="0"/>
+              <a:t>C++ is built for more “low-to the ground” applications, offering control</a:t>
+            </a:r>
+          </a:p>
+          <a:p>
+            <a:pPr lvl="1">
               <a:buFont typeface="Arial" panose="020B0604020202020204" pitchFamily="34" charset="0"/>
               <a:buChar char="•"/>
             </a:pPr>
             <a:r>
-              <a:rPr lang="en-US" sz="2400" dirty="0"/>
-              <a:t>Elements visual library</a:t>
-            </a:r>
+              <a:rPr lang="en-US" sz="1800" dirty="0"/>
+              <a:t>Python is intended for high level projects; is more user friendly</a:t>
+            </a:r>
+          </a:p>
+          <a:p>
+            <a:pPr>
+              <a:buFont typeface="Arial" panose="020B0604020202020204" pitchFamily="34" charset="0"/>
+              <a:buChar char="•"/>
+            </a:pPr>
+            <a:r>
+              <a:rPr lang="en-US" sz="1800" dirty="0"/>
+              <a:t> Documentation</a:t>
+            </a:r>
+          </a:p>
+          <a:p>
+            <a:pPr lvl="1">
+              <a:buFont typeface="Arial" panose="020B0604020202020204" pitchFamily="34" charset="0"/>
+              <a:buChar char="•"/>
+            </a:pPr>
+            <a:r>
+              <a:rPr lang="en-US" sz="1800" dirty="0"/>
+              <a:t>Python seems more robust in its library documentation because of the userbase</a:t>
+            </a:r>
+          </a:p>
+          <a:p>
+            <a:pPr lvl="1">
+              <a:buFont typeface="Arial" panose="020B0604020202020204" pitchFamily="34" charset="0"/>
+              <a:buChar char="•"/>
+            </a:pPr>
+            <a:r>
+              <a:rPr lang="en-US" sz="1800" dirty="0"/>
+              <a:t>C++ and C# felt lacking in usability without a strong understanding of many base tools and libraries</a:t>
+            </a:r>
+          </a:p>
+          <a:p>
+            <a:pPr marL="0" indent="0">
+              <a:buNone/>
+            </a:pPr>
+            <a:endParaRPr lang="en-US" dirty="0"/>
           </a:p>
         </p:txBody>
       </p:sp>
     </p:spTree>
     <p:extLst>
       <p:ext uri="{BB962C8B-B14F-4D97-AF65-F5344CB8AC3E}">
-        <p14:creationId xmlns:p14="http://schemas.microsoft.com/office/powerpoint/2010/main" val="2727201173"/>
+        <p14:creationId xmlns:p14="http://schemas.microsoft.com/office/powerpoint/2010/main" val="2461603516"/>
       </p:ext>
     </p:extLst>
   </p:cSld>
@@ -4676,7 +5117,7 @@
           <p:cNvPr id="2" name="Title 1">
             <a:extLst>
               <a:ext uri="{FF2B5EF4-FFF2-40B4-BE49-F238E27FC236}">
-                <a16:creationId xmlns:a16="http://schemas.microsoft.com/office/drawing/2014/main" id="{5AF1AB0A-EBEB-4C8A-8D6C-F4B5967675AB}"/>
+                <a16:creationId xmlns:a16="http://schemas.microsoft.com/office/drawing/2014/main" id="{591F16CB-949B-4720-B38F-50C16341060A}"/>
               </a:ext>
             </a:extLst>
           </p:cNvPr>
@@ -4694,7 +5135,7 @@
           <a:p>
             <a:r>
               <a:rPr lang="en-US" dirty="0"/>
-              <a:t>High-Level Test Plan</a:t>
+              <a:t>Hardware/Software Requirements</a:t>
             </a:r>
           </a:p>
         </p:txBody>
@@ -4704,7 +5145,7 @@
           <p:cNvPr id="4" name="TextBox 3">
             <a:extLst>
               <a:ext uri="{FF2B5EF4-FFF2-40B4-BE49-F238E27FC236}">
-                <a16:creationId xmlns:a16="http://schemas.microsoft.com/office/drawing/2014/main" id="{379C4D59-248F-4C5A-AB18-6BBB1CAC93E1}"/>
+                <a16:creationId xmlns:a16="http://schemas.microsoft.com/office/drawing/2014/main" id="{E07D3876-A7A0-4A21-A5AD-39335D491B36}"/>
               </a:ext>
             </a:extLst>
           </p:cNvPr>
@@ -4713,8 +5154,8 @@
         </p:nvSpPr>
         <p:spPr>
           <a:xfrm>
-            <a:off x="1236133" y="2015067"/>
-            <a:ext cx="9919547" cy="4154984"/>
+            <a:off x="822960" y="1771650"/>
+            <a:ext cx="2184400" cy="507831"/>
           </a:xfrm>
           <a:prstGeom prst="rect">
             <a:avLst/>
@@ -4727,103 +5168,202 @@
           </a:bodyPr>
           <a:lstStyle/>
           <a:p>
-            <a:pPr marL="342900" indent="-342900">
-              <a:buFont typeface="+mj-lt"/>
-              <a:buAutoNum type="arabicPeriod"/>
+            <a:r>
+              <a:rPr lang="en-US" sz="2700" dirty="0">
+                <a:latin typeface="+mj-lt"/>
+              </a:rPr>
+              <a:t>Hardware</a:t>
+            </a:r>
+            <a:endParaRPr lang="en-US" sz="1050" dirty="0">
+              <a:latin typeface="+mj-lt"/>
+            </a:endParaRPr>
+          </a:p>
+        </p:txBody>
+      </p:sp>
+      <p:sp>
+        <p:nvSpPr>
+          <p:cNvPr id="5" name="TextBox 4">
+            <a:extLst>
+              <a:ext uri="{FF2B5EF4-FFF2-40B4-BE49-F238E27FC236}">
+                <a16:creationId xmlns:a16="http://schemas.microsoft.com/office/drawing/2014/main" id="{BC21265F-6283-41B2-9111-BAD2D45F7E3F}"/>
+              </a:ext>
+            </a:extLst>
+          </p:cNvPr>
+          <p:cNvSpPr txBox="1"/>
+          <p:nvPr/>
+        </p:nvSpPr>
+        <p:spPr>
+          <a:xfrm>
+            <a:off x="4698999" y="1771649"/>
+            <a:ext cx="2184400" cy="507831"/>
+          </a:xfrm>
+          <a:prstGeom prst="rect">
+            <a:avLst/>
+          </a:prstGeom>
+          <a:noFill/>
+        </p:spPr>
+        <p:txBody>
+          <a:bodyPr wrap="square" rtlCol="0">
+            <a:spAutoFit/>
+          </a:bodyPr>
+          <a:lstStyle/>
+          <a:p>
+            <a:r>
+              <a:rPr lang="en-US" sz="2700" dirty="0">
+                <a:latin typeface="+mj-lt"/>
+              </a:rPr>
+              <a:t>Software</a:t>
+            </a:r>
+            <a:endParaRPr lang="en-US" sz="1050" dirty="0">
+              <a:latin typeface="+mj-lt"/>
+            </a:endParaRPr>
+          </a:p>
+        </p:txBody>
+      </p:sp>
+      <p:sp>
+        <p:nvSpPr>
+          <p:cNvPr id="6" name="TextBox 5">
+            <a:extLst>
+              <a:ext uri="{FF2B5EF4-FFF2-40B4-BE49-F238E27FC236}">
+                <a16:creationId xmlns:a16="http://schemas.microsoft.com/office/drawing/2014/main" id="{5DCBFC05-62F7-4963-9A18-AC540246CFE7}"/>
+              </a:ext>
+            </a:extLst>
+          </p:cNvPr>
+          <p:cNvSpPr txBox="1"/>
+          <p:nvPr/>
+        </p:nvSpPr>
+        <p:spPr>
+          <a:xfrm>
+            <a:off x="822959" y="2291172"/>
+            <a:ext cx="3622041" cy="2031325"/>
+          </a:xfrm>
+          <a:prstGeom prst="rect">
+            <a:avLst/>
+          </a:prstGeom>
+          <a:noFill/>
+        </p:spPr>
+        <p:txBody>
+          <a:bodyPr wrap="square" rtlCol="0">
+            <a:spAutoFit/>
+          </a:bodyPr>
+          <a:lstStyle/>
+          <a:p>
+            <a:pPr marL="428625" indent="-428625">
+              <a:buFont typeface="Arial" panose="020B0604020202020204" pitchFamily="34" charset="0"/>
+              <a:buChar char="•"/>
             </a:pPr>
             <a:r>
-              <a:rPr lang="en-US" sz="2400" dirty="0"/>
-              <a:t>Ensure the Product starts and is able to be exited</a:t>
-            </a:r>
-          </a:p>
-          <a:p>
-            <a:pPr marL="342900" indent="-342900">
-              <a:buFont typeface="+mj-lt"/>
-              <a:buAutoNum type="arabicPeriod"/>
+              <a:rPr lang="en-US" sz="1800" dirty="0"/>
+              <a:t>An intel I3 processor or above (or it’s AMD equivalent)</a:t>
+            </a:r>
+          </a:p>
+          <a:p>
+            <a:pPr marL="428625" indent="-428625">
+              <a:buFont typeface="Arial" panose="020B0604020202020204" pitchFamily="34" charset="0"/>
+              <a:buChar char="•"/>
             </a:pPr>
             <a:r>
-              <a:rPr lang="en-US" sz="2400" dirty="0"/>
-              <a:t>Ensure the ability to upload and view character sheet PDFs</a:t>
-            </a:r>
-          </a:p>
-          <a:p>
-            <a:pPr marL="342900" indent="-342900">
-              <a:buFont typeface="+mj-lt"/>
-              <a:buAutoNum type="arabicPeriod"/>
+              <a:rPr lang="en-US" sz="1800" dirty="0"/>
+              <a:t>1GB Ram</a:t>
+            </a:r>
+          </a:p>
+          <a:p>
+            <a:pPr marL="428625" indent="-428625">
+              <a:buFont typeface="Arial" panose="020B0604020202020204" pitchFamily="34" charset="0"/>
+              <a:buChar char="•"/>
             </a:pPr>
             <a:r>
-              <a:rPr lang="en-US" sz="2400" dirty="0"/>
-              <a:t>Ensure the ability to upload and view monster stat blocks</a:t>
-            </a:r>
-          </a:p>
-          <a:p>
-            <a:pPr marL="342900" indent="-342900">
-              <a:buFont typeface="+mj-lt"/>
-              <a:buAutoNum type="arabicPeriod"/>
+              <a:rPr lang="en-US" sz="1800" dirty="0"/>
+              <a:t>Secondary Storage (size depends on amount of data wanting to be stored)</a:t>
+            </a:r>
+          </a:p>
+          <a:p>
+            <a:pPr marL="428625" indent="-428625">
+              <a:buFont typeface="Arial" panose="020B0604020202020204" pitchFamily="34" charset="0"/>
+              <a:buChar char="•"/>
             </a:pPr>
             <a:r>
-              <a:rPr lang="en-US" sz="2400" dirty="0"/>
-              <a:t>Ensure database is able to be referenced correctly</a:t>
-            </a:r>
-          </a:p>
-          <a:p>
-            <a:pPr marL="342900" indent="-342900">
-              <a:buFont typeface="+mj-lt"/>
-              <a:buAutoNum type="arabicPeriod"/>
+              <a:rPr lang="en-US" sz="1800" dirty="0"/>
+              <a:t>Keyboard for input</a:t>
+            </a:r>
+          </a:p>
+        </p:txBody>
+      </p:sp>
+      <p:sp>
+        <p:nvSpPr>
+          <p:cNvPr id="8" name="TextBox 7">
+            <a:extLst>
+              <a:ext uri="{FF2B5EF4-FFF2-40B4-BE49-F238E27FC236}">
+                <a16:creationId xmlns:a16="http://schemas.microsoft.com/office/drawing/2014/main" id="{69C66EA7-D200-4431-9A05-669F365E421D}"/>
+              </a:ext>
+            </a:extLst>
+          </p:cNvPr>
+          <p:cNvSpPr txBox="1"/>
+          <p:nvPr/>
+        </p:nvSpPr>
+        <p:spPr>
+          <a:xfrm>
+            <a:off x="4698999" y="2291172"/>
+            <a:ext cx="3622041" cy="1754326"/>
+          </a:xfrm>
+          <a:prstGeom prst="rect">
+            <a:avLst/>
+          </a:prstGeom>
+          <a:noFill/>
+        </p:spPr>
+        <p:txBody>
+          <a:bodyPr wrap="square" rtlCol="0">
+            <a:spAutoFit/>
+          </a:bodyPr>
+          <a:lstStyle/>
+          <a:p>
+            <a:pPr marL="428625" indent="-428625">
+              <a:buFont typeface="Arial" panose="020B0604020202020204" pitchFamily="34" charset="0"/>
+              <a:buChar char="•"/>
             </a:pPr>
             <a:r>
-              <a:rPr lang="en-US" sz="2400" dirty="0"/>
-              <a:t>Ensure character and monster entities are able to be placed and moved on a grid map</a:t>
-            </a:r>
-          </a:p>
-          <a:p>
-            <a:pPr marL="342900" indent="-342900">
-              <a:buFont typeface="+mj-lt"/>
-              <a:buAutoNum type="arabicPeriod"/>
+              <a:rPr lang="en-US" sz="1800" dirty="0"/>
+              <a:t>A Linux based operating system</a:t>
+            </a:r>
+          </a:p>
+          <a:p>
+            <a:pPr marL="428625" indent="-428625">
+              <a:buFont typeface="Arial" panose="020B0604020202020204" pitchFamily="34" charset="0"/>
+              <a:buChar char="•"/>
             </a:pPr>
             <a:r>
-              <a:rPr lang="en-US" sz="2400" dirty="0"/>
-              <a:t>Ensure tool functionality of applying spell damage is done correctly</a:t>
-            </a:r>
-          </a:p>
-          <a:p>
-            <a:pPr marL="342900" indent="-342900">
-              <a:buFont typeface="+mj-lt"/>
-              <a:buAutoNum type="arabicPeriod"/>
+              <a:rPr lang="en-US" sz="1800" dirty="0"/>
+              <a:t>Python3</a:t>
+            </a:r>
+          </a:p>
+          <a:p>
+            <a:pPr marL="428625" indent="-428625">
+              <a:buFont typeface="Arial" panose="020B0604020202020204" pitchFamily="34" charset="0"/>
+              <a:buChar char="•"/>
             </a:pPr>
             <a:r>
-              <a:rPr lang="en-US" sz="2400" dirty="0"/>
-              <a:t>Ensure tool functionality of applying spell status effects is done correctly</a:t>
-            </a:r>
-          </a:p>
-          <a:p>
-            <a:pPr marL="342900" indent="-342900">
-              <a:buFont typeface="+mj-lt"/>
-              <a:buAutoNum type="arabicPeriod"/>
+              <a:rPr lang="en-US" sz="1800" dirty="0"/>
+              <a:t>SQLite/SQL Alchemy</a:t>
+            </a:r>
+          </a:p>
+          <a:p>
+            <a:pPr marL="428625" indent="-428625">
+              <a:buFont typeface="Arial" panose="020B0604020202020204" pitchFamily="34" charset="0"/>
+              <a:buChar char="•"/>
             </a:pPr>
             <a:r>
-              <a:rPr lang="en-US" sz="2400" dirty="0"/>
-              <a:t>Ensure a functional user interface with mouse and keyboard integration</a:t>
-            </a:r>
-          </a:p>
-          <a:p>
-            <a:pPr marL="342900" indent="-342900">
-              <a:buFont typeface="+mj-lt"/>
-              <a:buAutoNum type="arabicPeriod"/>
+              <a:rPr lang="en-US" sz="1800" dirty="0"/>
+              <a:t>Pandas</a:t>
+            </a:r>
+          </a:p>
+          <a:p>
+            <a:pPr marL="428625" indent="-428625">
+              <a:buFont typeface="Arial" panose="020B0604020202020204" pitchFamily="34" charset="0"/>
+              <a:buChar char="•"/>
             </a:pPr>
             <a:r>
-              <a:rPr lang="en-US" sz="2400" dirty="0"/>
-              <a:t>Ensure a reasonable latency is achieved with each function of the tool</a:t>
-            </a:r>
-          </a:p>
-          <a:p>
-            <a:pPr marL="342900" indent="-342900">
-              <a:buFont typeface="+mj-lt"/>
-              <a:buAutoNum type="arabicPeriod"/>
-            </a:pPr>
-            <a:r>
-              <a:rPr lang="en-US" sz="2400" dirty="0"/>
-              <a:t>Ensure data is accurate at all crucial times</a:t>
+              <a:rPr lang="en-US" sz="1800" dirty="0"/>
+              <a:t>Orator</a:t>
             </a:r>
           </a:p>
         </p:txBody>
@@ -4831,7 +5371,7 @@
     </p:spTree>
     <p:extLst>
       <p:ext uri="{BB962C8B-B14F-4D97-AF65-F5344CB8AC3E}">
-        <p14:creationId xmlns:p14="http://schemas.microsoft.com/office/powerpoint/2010/main" val="4171407330"/>
+        <p14:creationId xmlns:p14="http://schemas.microsoft.com/office/powerpoint/2010/main" val="2727201173"/>
       </p:ext>
     </p:extLst>
   </p:cSld>
@@ -4844,14 +5384,6 @@
 <file path=ppt/slides/slide6.xml><?xml version="1.0" encoding="utf-8"?>
 <p:sld xmlns:a="http://schemas.openxmlformats.org/drawingml/2006/main" xmlns:r="http://schemas.openxmlformats.org/officeDocument/2006/relationships" xmlns:p="http://schemas.openxmlformats.org/presentationml/2006/main">
   <p:cSld>
-    <p:bg>
-      <p:bgPr>
-        <a:solidFill>
-          <a:schemeClr val="bg1"/>
-        </a:solidFill>
-        <a:effectLst/>
-      </p:bgPr>
-    </p:bg>
     <p:spTree>
       <p:nvGrpSpPr>
         <p:cNvPr id="1" name=""/>
@@ -4868,276 +5400,507 @@
       </p:grpSpPr>
       <p:sp>
         <p:nvSpPr>
-          <p:cNvPr id="11" name="Rectangle 10">
-            <a:extLst>
-              <a:ext uri="{FF2B5EF4-FFF2-40B4-BE49-F238E27FC236}">
-                <a16:creationId xmlns:a16="http://schemas.microsoft.com/office/drawing/2014/main" id="{39E3965E-AC41-4711-9D10-E25ABB132D86}"/>
-              </a:ext>
-              <a:ext uri="{C183D7F6-B498-43B3-948B-1728B52AA6E4}">
-                <adec:decorative xmlns:adec="http://schemas.microsoft.com/office/drawing/2017/decorative" val="1"/>
-              </a:ext>
-            </a:extLst>
-          </p:cNvPr>
-          <p:cNvSpPr>
-            <a:spLocks noGrp="1" noRot="1" noChangeAspect="1" noMove="1" noResize="1" noEditPoints="1" noAdjustHandles="1" noChangeArrowheads="1" noChangeShapeType="1" noTextEdit="1"/>
-          </p:cNvSpPr>
-          <p:nvPr>
-            <p:extLst>
-              <p:ext uri="{386F3935-93C4-4BCD-93E2-E3B085C9AB24}">
-                <p16:designElem xmlns:p16="http://schemas.microsoft.com/office/powerpoint/2015/main" val="1"/>
-              </p:ext>
-            </p:extLst>
-          </p:nvPr>
-        </p:nvSpPr>
-        <p:spPr>
-          <a:xfrm>
-            <a:off x="3175" y="6400800"/>
-            <a:ext cx="12188825" cy="457200"/>
-          </a:xfrm>
-          <a:prstGeom prst="rect">
-            <a:avLst/>
-          </a:prstGeom>
-          <a:solidFill>
-            <a:srgbClr val="262626"/>
-          </a:solidFill>
-          <a:ln>
-            <a:noFill/>
-          </a:ln>
-        </p:spPr>
-        <p:style>
-          <a:lnRef idx="2">
-            <a:schemeClr val="accent1">
-              <a:shade val="50000"/>
-            </a:schemeClr>
-          </a:lnRef>
-          <a:fillRef idx="1">
-            <a:schemeClr val="accent1"/>
-          </a:fillRef>
-          <a:effectRef idx="0">
-            <a:schemeClr val="accent1"/>
-          </a:effectRef>
-          <a:fontRef idx="minor">
-            <a:schemeClr val="lt1"/>
-          </a:fontRef>
-        </p:style>
-      </p:sp>
-      <p:cxnSp>
-        <p:nvCxnSpPr>
-          <p:cNvPr id="13" name="Straight Connector 12">
-            <a:extLst>
-              <a:ext uri="{FF2B5EF4-FFF2-40B4-BE49-F238E27FC236}">
-                <a16:creationId xmlns:a16="http://schemas.microsoft.com/office/drawing/2014/main" id="{1F5DC8C3-BA5F-4EED-BB9A-A14272BD82A1}"/>
-              </a:ext>
-              <a:ext uri="{C183D7F6-B498-43B3-948B-1728B52AA6E4}">
-                <adec:decorative xmlns:adec="http://schemas.microsoft.com/office/drawing/2017/decorative" val="1"/>
-              </a:ext>
-            </a:extLst>
-          </p:cNvPr>
-          <p:cNvCxnSpPr>
-            <a:cxnSpLocks noGrp="1" noRot="1" noChangeAspect="1" noMove="1" noResize="1" noEditPoints="1" noAdjustHandles="1" noChangeArrowheads="1" noChangeShapeType="1"/>
-          </p:cNvCxnSpPr>
-          <p:nvPr>
-            <p:extLst>
-              <p:ext uri="{386F3935-93C4-4BCD-93E2-E3B085C9AB24}">
-                <p16:designElem xmlns:p16="http://schemas.microsoft.com/office/powerpoint/2015/main" val="1"/>
-              </p:ext>
-            </p:extLst>
-          </p:nvPr>
-        </p:nvCxnSpPr>
-        <p:spPr>
-          <a:xfrm>
-            <a:off x="1207658" y="4474741"/>
-            <a:ext cx="9875520" cy="0"/>
-          </a:xfrm>
-          <a:prstGeom prst="line">
-            <a:avLst/>
-          </a:prstGeom>
-          <a:ln w="12700">
-            <a:solidFill>
-              <a:schemeClr val="tx1">
-                <a:lumMod val="75000"/>
-                <a:lumOff val="25000"/>
-              </a:schemeClr>
-            </a:solidFill>
-          </a:ln>
-        </p:spPr>
-        <p:style>
-          <a:lnRef idx="1">
-            <a:schemeClr val="accent1"/>
-          </a:lnRef>
-          <a:fillRef idx="0">
-            <a:schemeClr val="accent1"/>
-          </a:fillRef>
-          <a:effectRef idx="0">
-            <a:schemeClr val="accent1"/>
-          </a:effectRef>
-          <a:fontRef idx="minor">
-            <a:schemeClr val="tx1"/>
-          </a:fontRef>
-        </p:style>
-      </p:cxnSp>
-      <p:sp useBgFill="1">
-        <p:nvSpPr>
-          <p:cNvPr id="15" name="Rectangle 14">
-            <a:extLst>
-              <a:ext uri="{FF2B5EF4-FFF2-40B4-BE49-F238E27FC236}">
-                <a16:creationId xmlns:a16="http://schemas.microsoft.com/office/drawing/2014/main" id="{FBDCECDC-EEE3-4128-AA5E-82A8C08796E8}"/>
-              </a:ext>
-              <a:ext uri="{C183D7F6-B498-43B3-948B-1728B52AA6E4}">
-                <adec:decorative xmlns:adec="http://schemas.microsoft.com/office/drawing/2017/decorative" val="1"/>
-              </a:ext>
-            </a:extLst>
-          </p:cNvPr>
-          <p:cNvSpPr>
-            <a:spLocks noGrp="1" noRot="1" noChangeAspect="1" noMove="1" noResize="1" noEditPoints="1" noAdjustHandles="1" noChangeArrowheads="1" noChangeShapeType="1" noTextEdit="1"/>
-          </p:cNvSpPr>
-          <p:nvPr>
-            <p:extLst>
-              <p:ext uri="{386F3935-93C4-4BCD-93E2-E3B085C9AB24}">
-                <p16:designElem xmlns:p16="http://schemas.microsoft.com/office/powerpoint/2015/main" val="1"/>
-              </p:ext>
-            </p:extLst>
-          </p:nvPr>
-        </p:nvSpPr>
-        <p:spPr>
-          <a:xfrm>
-            <a:off x="1507" y="0"/>
-            <a:ext cx="12192000" cy="6858000"/>
-          </a:xfrm>
-          <a:prstGeom prst="rect">
-            <a:avLst/>
-          </a:prstGeom>
-          <a:ln>
-            <a:noFill/>
-          </a:ln>
-        </p:spPr>
-        <p:style>
-          <a:lnRef idx="2">
-            <a:schemeClr val="accent1">
-              <a:shade val="50000"/>
-            </a:schemeClr>
-          </a:lnRef>
-          <a:fillRef idx="1">
-            <a:schemeClr val="accent1"/>
-          </a:fillRef>
-          <a:effectRef idx="0">
-            <a:schemeClr val="accent1"/>
-          </a:effectRef>
-          <a:fontRef idx="minor">
-            <a:schemeClr val="lt1"/>
-          </a:fontRef>
-        </p:style>
-        <p:txBody>
-          <a:bodyPr rtlCol="0" anchor="ctr"/>
+          <p:cNvPr id="2" name="Title 1">
+            <a:extLst>
+              <a:ext uri="{FF2B5EF4-FFF2-40B4-BE49-F238E27FC236}">
+                <a16:creationId xmlns:a16="http://schemas.microsoft.com/office/drawing/2014/main" id="{635725E4-09A8-4723-96EE-C93CB193F2C0}"/>
+              </a:ext>
+            </a:extLst>
+          </p:cNvPr>
+          <p:cNvSpPr>
+            <a:spLocks noGrp="1"/>
+          </p:cNvSpPr>
+          <p:nvPr>
+            <p:ph type="title"/>
+          </p:nvPr>
+        </p:nvSpPr>
+        <p:spPr/>
+        <p:txBody>
+          <a:bodyPr/>
           <a:lstStyle/>
           <a:p>
-            <a:pPr algn="ctr"/>
-            <a:endParaRPr lang="en-US"/>
-          </a:p>
-        </p:txBody>
-      </p:sp>
-      <p:sp>
-        <p:nvSpPr>
-          <p:cNvPr id="4" name="Title 3">
-            <a:extLst>
-              <a:ext uri="{FF2B5EF4-FFF2-40B4-BE49-F238E27FC236}">
-                <a16:creationId xmlns:a16="http://schemas.microsoft.com/office/drawing/2014/main" id="{7ABE1520-F624-4307-808C-6CAEF27F584A}"/>
-              </a:ext>
-            </a:extLst>
-          </p:cNvPr>
-          <p:cNvSpPr>
-            <a:spLocks noGrp="1"/>
-          </p:cNvSpPr>
-          <p:nvPr>
-            <p:ph type="title"/>
-          </p:nvPr>
-        </p:nvSpPr>
-        <p:spPr>
-          <a:xfrm>
-            <a:off x="1097280" y="758952"/>
-            <a:ext cx="10058400" cy="3892168"/>
-          </a:xfrm>
-        </p:spPr>
-        <p:txBody>
-          <a:bodyPr vert="horz" lIns="91440" tIns="45720" rIns="91440" bIns="45720" rtlCol="0" anchor="b">
+            <a:r>
+              <a:rPr lang="en-US" dirty="0"/>
+              <a:t>Functional Requirements</a:t>
+            </a:r>
+          </a:p>
+        </p:txBody>
+      </p:sp>
+      <p:sp>
+        <p:nvSpPr>
+          <p:cNvPr id="3" name="Content Placeholder 2">
+            <a:extLst>
+              <a:ext uri="{FF2B5EF4-FFF2-40B4-BE49-F238E27FC236}">
+                <a16:creationId xmlns:a16="http://schemas.microsoft.com/office/drawing/2014/main" id="{E26F6CD7-834F-49EC-8D3E-9FAC381969FD}"/>
+              </a:ext>
+            </a:extLst>
+          </p:cNvPr>
+          <p:cNvSpPr>
+            <a:spLocks noGrp="1"/>
+          </p:cNvSpPr>
+          <p:nvPr>
+            <p:ph idx="1"/>
+          </p:nvPr>
+        </p:nvSpPr>
+        <p:spPr/>
+        <p:txBody>
+          <a:bodyPr>
             <a:normAutofit/>
           </a:bodyPr>
           <a:lstStyle/>
           <a:p>
-            <a:pPr algn="ctr"/>
-            <a:r>
-              <a:rPr lang="en-US" sz="9600" dirty="0">
-                <a:solidFill>
-                  <a:schemeClr val="tx1">
-                    <a:lumMod val="85000"/>
-                    <a:lumOff val="15000"/>
-                  </a:schemeClr>
-                </a:solidFill>
-              </a:rPr>
-              <a:t>End Slide</a:t>
-            </a:r>
-          </a:p>
-        </p:txBody>
-      </p:sp>
-      <p:sp>
-        <p:nvSpPr>
-          <p:cNvPr id="17" name="Rectangle 16">
-            <a:extLst>
-              <a:ext uri="{FF2B5EF4-FFF2-40B4-BE49-F238E27FC236}">
-                <a16:creationId xmlns:a16="http://schemas.microsoft.com/office/drawing/2014/main" id="{4260EDE0-989C-4E16-AF94-F652294D828E}"/>
-              </a:ext>
-              <a:ext uri="{C183D7F6-B498-43B3-948B-1728B52AA6E4}">
-                <adec:decorative xmlns:adec="http://schemas.microsoft.com/office/drawing/2017/decorative" val="1"/>
-              </a:ext>
-            </a:extLst>
-          </p:cNvPr>
-          <p:cNvSpPr>
-            <a:spLocks noGrp="1" noRot="1" noChangeAspect="1" noMove="1" noResize="1" noEditPoints="1" noAdjustHandles="1" noChangeArrowheads="1" noChangeShapeType="1" noTextEdit="1"/>
-          </p:cNvSpPr>
-          <p:nvPr>
-            <p:extLst>
-              <p:ext uri="{386F3935-93C4-4BCD-93E2-E3B085C9AB24}">
-                <p16:designElem xmlns:p16="http://schemas.microsoft.com/office/powerpoint/2015/main" val="1"/>
-              </p:ext>
-            </p:extLst>
-          </p:nvPr>
-        </p:nvSpPr>
-        <p:spPr bwMode="white">
-          <a:xfrm>
-            <a:off x="1507" y="4953000"/>
-            <a:ext cx="12188952" cy="1905000"/>
-          </a:xfrm>
-          <a:prstGeom prst="rect">
-            <a:avLst/>
-          </a:prstGeom>
-          <a:solidFill>
-            <a:srgbClr val="262626"/>
-          </a:solidFill>
-          <a:ln>
-            <a:noFill/>
-          </a:ln>
-        </p:spPr>
-        <p:style>
-          <a:lnRef idx="2">
-            <a:schemeClr val="accent1">
-              <a:shade val="50000"/>
-            </a:schemeClr>
-          </a:lnRef>
-          <a:fillRef idx="1">
-            <a:schemeClr val="accent1"/>
-          </a:fillRef>
-          <a:effectRef idx="0">
-            <a:schemeClr val="accent1"/>
-          </a:effectRef>
-          <a:fontRef idx="minor">
-            <a:schemeClr val="lt1"/>
-          </a:fontRef>
-        </p:style>
+            <a:pPr>
+              <a:buFont typeface="Arial" panose="020B0604020202020204" pitchFamily="34" charset="0"/>
+              <a:buChar char="•"/>
+            </a:pPr>
+            <a:r>
+              <a:rPr lang="en-US" sz="1800" dirty="0"/>
+              <a:t> Allow the storing and loading of character data for later reference</a:t>
+            </a:r>
+          </a:p>
+          <a:p>
+            <a:pPr>
+              <a:buFont typeface="Arial" panose="020B0604020202020204" pitchFamily="34" charset="0"/>
+              <a:buChar char="•"/>
+            </a:pPr>
+            <a:r>
+              <a:rPr lang="en-US" sz="1800" dirty="0"/>
+              <a:t> Allow for modification of character data</a:t>
+            </a:r>
+          </a:p>
+          <a:p>
+            <a:pPr>
+              <a:buFont typeface="Arial" panose="020B0604020202020204" pitchFamily="34" charset="0"/>
+              <a:buChar char="•"/>
+            </a:pPr>
+            <a:r>
+              <a:rPr lang="en-US" sz="1800" dirty="0"/>
+              <a:t> Allow for the creation of new character data</a:t>
+            </a:r>
+          </a:p>
+          <a:p>
+            <a:pPr>
+              <a:buFont typeface="Arial" panose="020B0604020202020204" pitchFamily="34" charset="0"/>
+              <a:buChar char="•"/>
+            </a:pPr>
+            <a:r>
+              <a:rPr lang="en-US" sz="1800" dirty="0"/>
+              <a:t> Allow for the importing of character data from a standardized PDF</a:t>
+            </a:r>
+          </a:p>
+          <a:p>
+            <a:pPr>
+              <a:buFont typeface="Arial" panose="020B0604020202020204" pitchFamily="34" charset="0"/>
+              <a:buChar char="•"/>
+            </a:pPr>
+            <a:r>
+              <a:rPr lang="en-US" sz="1800" dirty="0"/>
+              <a:t> Allow for the viewing of character data</a:t>
+            </a:r>
+          </a:p>
+        </p:txBody>
       </p:sp>
     </p:spTree>
     <p:extLst>
       <p:ext uri="{BB962C8B-B14F-4D97-AF65-F5344CB8AC3E}">
-        <p14:creationId xmlns:p14="http://schemas.microsoft.com/office/powerpoint/2010/main" val="4161420525"/>
+        <p14:creationId xmlns:p14="http://schemas.microsoft.com/office/powerpoint/2010/main" val="4180510243"/>
+      </p:ext>
+    </p:extLst>
+  </p:cSld>
+  <p:clrMapOvr>
+    <a:masterClrMapping/>
+  </p:clrMapOvr>
+</p:sld>
+</file>
+
+<file path=ppt/slides/slide7.xml><?xml version="1.0" encoding="utf-8"?>
+<p:sld xmlns:a="http://schemas.openxmlformats.org/drawingml/2006/main" xmlns:r="http://schemas.openxmlformats.org/officeDocument/2006/relationships" xmlns:p="http://schemas.openxmlformats.org/presentationml/2006/main">
+  <p:cSld>
+    <p:spTree>
+      <p:nvGrpSpPr>
+        <p:cNvPr id="1" name=""/>
+        <p:cNvGrpSpPr/>
+        <p:nvPr/>
+      </p:nvGrpSpPr>
+      <p:grpSpPr>
+        <a:xfrm>
+          <a:off x="0" y="0"/>
+          <a:ext cx="0" cy="0"/>
+          <a:chOff x="0" y="0"/>
+          <a:chExt cx="0" cy="0"/>
+        </a:xfrm>
+      </p:grpSpPr>
+      <p:sp>
+        <p:nvSpPr>
+          <p:cNvPr id="2" name="Title 1">
+            <a:extLst>
+              <a:ext uri="{FF2B5EF4-FFF2-40B4-BE49-F238E27FC236}">
+                <a16:creationId xmlns:a16="http://schemas.microsoft.com/office/drawing/2014/main" id="{3C1DF106-4F00-4AE2-9128-0C23044CFF79}"/>
+              </a:ext>
+            </a:extLst>
+          </p:cNvPr>
+          <p:cNvSpPr>
+            <a:spLocks noGrp="1"/>
+          </p:cNvSpPr>
+          <p:nvPr>
+            <p:ph type="ctrTitle"/>
+          </p:nvPr>
+        </p:nvSpPr>
+        <p:spPr/>
+        <p:txBody>
+          <a:bodyPr/>
+          <a:lstStyle/>
+          <a:p>
+            <a:pPr algn="ctr"/>
+            <a:r>
+              <a:rPr lang="en-US" dirty="0"/>
+              <a:t>Demo</a:t>
+            </a:r>
+          </a:p>
+        </p:txBody>
+      </p:sp>
+    </p:spTree>
+    <p:extLst>
+      <p:ext uri="{BB962C8B-B14F-4D97-AF65-F5344CB8AC3E}">
+        <p14:creationId xmlns:p14="http://schemas.microsoft.com/office/powerpoint/2010/main" val="140397030"/>
+      </p:ext>
+    </p:extLst>
+  </p:cSld>
+  <p:clrMapOvr>
+    <a:masterClrMapping/>
+  </p:clrMapOvr>
+</p:sld>
+</file>
+
+<file path=ppt/slides/slide8.xml><?xml version="1.0" encoding="utf-8"?>
+<p:sld xmlns:a="http://schemas.openxmlformats.org/drawingml/2006/main" xmlns:r="http://schemas.openxmlformats.org/officeDocument/2006/relationships" xmlns:p="http://schemas.openxmlformats.org/presentationml/2006/main">
+  <p:cSld>
+    <p:spTree>
+      <p:nvGrpSpPr>
+        <p:cNvPr id="1" name=""/>
+        <p:cNvGrpSpPr/>
+        <p:nvPr/>
+      </p:nvGrpSpPr>
+      <p:grpSpPr>
+        <a:xfrm>
+          <a:off x="0" y="0"/>
+          <a:ext cx="0" cy="0"/>
+          <a:chOff x="0" y="0"/>
+          <a:chExt cx="0" cy="0"/>
+        </a:xfrm>
+      </p:grpSpPr>
+      <p:sp>
+        <p:nvSpPr>
+          <p:cNvPr id="2" name="Title 1">
+            <a:extLst>
+              <a:ext uri="{FF2B5EF4-FFF2-40B4-BE49-F238E27FC236}">
+                <a16:creationId xmlns:a16="http://schemas.microsoft.com/office/drawing/2014/main" id="{26ABC4EC-BB79-460A-B116-B22342F3AD3A}"/>
+              </a:ext>
+            </a:extLst>
+          </p:cNvPr>
+          <p:cNvSpPr>
+            <a:spLocks noGrp="1"/>
+          </p:cNvSpPr>
+          <p:nvPr>
+            <p:ph type="title"/>
+          </p:nvPr>
+        </p:nvSpPr>
+        <p:spPr/>
+        <p:txBody>
+          <a:bodyPr/>
+          <a:lstStyle/>
+          <a:p>
+            <a:r>
+              <a:rPr lang="en-US" dirty="0"/>
+              <a:t>High-Level Test Plan</a:t>
+            </a:r>
+          </a:p>
+        </p:txBody>
+      </p:sp>
+      <p:sp>
+        <p:nvSpPr>
+          <p:cNvPr id="3" name="Content Placeholder 2">
+            <a:extLst>
+              <a:ext uri="{FF2B5EF4-FFF2-40B4-BE49-F238E27FC236}">
+                <a16:creationId xmlns:a16="http://schemas.microsoft.com/office/drawing/2014/main" id="{A14C94AA-6CF4-438C-AAE0-D0E7197EE72E}"/>
+              </a:ext>
+            </a:extLst>
+          </p:cNvPr>
+          <p:cNvSpPr>
+            <a:spLocks noGrp="1"/>
+          </p:cNvSpPr>
+          <p:nvPr>
+            <p:ph idx="1"/>
+          </p:nvPr>
+        </p:nvSpPr>
+        <p:spPr/>
+        <p:txBody>
+          <a:bodyPr>
+            <a:normAutofit/>
+          </a:bodyPr>
+          <a:lstStyle/>
+          <a:p>
+            <a:pPr>
+              <a:buFont typeface="Arial" panose="020B0604020202020204" pitchFamily="34" charset="0"/>
+              <a:buChar char="•"/>
+            </a:pPr>
+            <a:r>
+              <a:rPr lang="en-US" sz="1800" dirty="0"/>
+              <a:t> Ensure the product can run on the specified hardware without interruption</a:t>
+            </a:r>
+          </a:p>
+          <a:p>
+            <a:pPr>
+              <a:buFont typeface="Arial" panose="020B0604020202020204" pitchFamily="34" charset="0"/>
+              <a:buChar char="•"/>
+            </a:pPr>
+            <a:r>
+              <a:rPr lang="en-US" sz="1800" dirty="0"/>
+              <a:t> Ensure each functional requirement is met</a:t>
+            </a:r>
+          </a:p>
+          <a:p>
+            <a:pPr lvl="1">
+              <a:buFont typeface="Arial" panose="020B0604020202020204" pitchFamily="34" charset="0"/>
+              <a:buChar char="•"/>
+            </a:pPr>
+            <a:r>
+              <a:rPr lang="en-US" sz="1800" dirty="0"/>
+              <a:t>Data viewing</a:t>
+            </a:r>
+          </a:p>
+          <a:p>
+            <a:pPr lvl="1">
+              <a:buFont typeface="Arial" panose="020B0604020202020204" pitchFamily="34" charset="0"/>
+              <a:buChar char="•"/>
+            </a:pPr>
+            <a:r>
+              <a:rPr lang="en-US" sz="1800" dirty="0"/>
+              <a:t>Data creation</a:t>
+            </a:r>
+          </a:p>
+          <a:p>
+            <a:pPr lvl="1">
+              <a:buFont typeface="Arial" panose="020B0604020202020204" pitchFamily="34" charset="0"/>
+              <a:buChar char="•"/>
+            </a:pPr>
+            <a:r>
+              <a:rPr lang="en-US" sz="1800" dirty="0"/>
+              <a:t>Data storage</a:t>
+            </a:r>
+          </a:p>
+          <a:p>
+            <a:pPr lvl="1">
+              <a:buFont typeface="Arial" panose="020B0604020202020204" pitchFamily="34" charset="0"/>
+              <a:buChar char="•"/>
+            </a:pPr>
+            <a:r>
+              <a:rPr lang="en-US" sz="1800" dirty="0"/>
+              <a:t>Data editing</a:t>
+            </a:r>
+          </a:p>
+          <a:p>
+            <a:pPr>
+              <a:buFont typeface="Arial" panose="020B0604020202020204" pitchFamily="34" charset="0"/>
+              <a:buChar char="•"/>
+            </a:pPr>
+            <a:r>
+              <a:rPr lang="en-US" sz="1800" dirty="0"/>
+              <a:t> Ensure input validation to prevent improper data entry</a:t>
+            </a:r>
+          </a:p>
+          <a:p>
+            <a:pPr>
+              <a:buFont typeface="Arial" panose="020B0604020202020204" pitchFamily="34" charset="0"/>
+              <a:buChar char="•"/>
+            </a:pPr>
+            <a:r>
+              <a:rPr lang="en-US" sz="1800" dirty="0"/>
+              <a:t> Ensure integrity of the database</a:t>
+            </a:r>
+          </a:p>
+        </p:txBody>
+      </p:sp>
+    </p:spTree>
+    <p:extLst>
+      <p:ext uri="{BB962C8B-B14F-4D97-AF65-F5344CB8AC3E}">
+        <p14:creationId xmlns:p14="http://schemas.microsoft.com/office/powerpoint/2010/main" val="3173310127"/>
+      </p:ext>
+    </p:extLst>
+  </p:cSld>
+  <p:clrMapOvr>
+    <a:masterClrMapping/>
+  </p:clrMapOvr>
+</p:sld>
+</file>
+
+<file path=ppt/slides/slide9.xml><?xml version="1.0" encoding="utf-8"?>
+<p:sld xmlns:a="http://schemas.openxmlformats.org/drawingml/2006/main" xmlns:r="http://schemas.openxmlformats.org/officeDocument/2006/relationships" xmlns:p="http://schemas.openxmlformats.org/presentationml/2006/main">
+  <p:cSld>
+    <p:spTree>
+      <p:nvGrpSpPr>
+        <p:cNvPr id="1" name=""/>
+        <p:cNvGrpSpPr/>
+        <p:nvPr/>
+      </p:nvGrpSpPr>
+      <p:grpSpPr>
+        <a:xfrm>
+          <a:off x="0" y="0"/>
+          <a:ext cx="0" cy="0"/>
+          <a:chOff x="0" y="0"/>
+          <a:chExt cx="0" cy="0"/>
+        </a:xfrm>
+      </p:grpSpPr>
+      <p:sp>
+        <p:nvSpPr>
+          <p:cNvPr id="2" name="Title 1">
+            <a:extLst>
+              <a:ext uri="{FF2B5EF4-FFF2-40B4-BE49-F238E27FC236}">
+                <a16:creationId xmlns:a16="http://schemas.microsoft.com/office/drawing/2014/main" id="{43927D3B-E43C-4A7C-A5B5-0CC73CFFDEF6}"/>
+              </a:ext>
+            </a:extLst>
+          </p:cNvPr>
+          <p:cNvSpPr>
+            <a:spLocks noGrp="1"/>
+          </p:cNvSpPr>
+          <p:nvPr>
+            <p:ph type="title"/>
+          </p:nvPr>
+        </p:nvSpPr>
+        <p:spPr/>
+        <p:txBody>
+          <a:bodyPr/>
+          <a:lstStyle/>
+          <a:p>
+            <a:r>
+              <a:rPr lang="en-US" dirty="0"/>
+              <a:t>Test Results</a:t>
+            </a:r>
+          </a:p>
+        </p:txBody>
+      </p:sp>
+      <p:sp>
+        <p:nvSpPr>
+          <p:cNvPr id="3" name="Content Placeholder 2">
+            <a:extLst>
+              <a:ext uri="{FF2B5EF4-FFF2-40B4-BE49-F238E27FC236}">
+                <a16:creationId xmlns:a16="http://schemas.microsoft.com/office/drawing/2014/main" id="{3E42D5C9-29FC-42DF-84EF-5E42DF94DC75}"/>
+              </a:ext>
+            </a:extLst>
+          </p:cNvPr>
+          <p:cNvSpPr>
+            <a:spLocks noGrp="1"/>
+          </p:cNvSpPr>
+          <p:nvPr>
+            <p:ph idx="1"/>
+          </p:nvPr>
+        </p:nvSpPr>
+        <p:spPr/>
+        <p:txBody>
+          <a:bodyPr>
+            <a:normAutofit fontScale="92500" lnSpcReduction="10000"/>
+          </a:bodyPr>
+          <a:lstStyle/>
+          <a:p>
+            <a:pPr>
+              <a:buFont typeface="Arial" panose="020B0604020202020204" pitchFamily="34" charset="0"/>
+              <a:buChar char="•"/>
+            </a:pPr>
+            <a:r>
+              <a:rPr lang="en-US" dirty="0"/>
+              <a:t> </a:t>
+            </a:r>
+            <a:r>
+              <a:rPr lang="en-US" sz="1800" dirty="0"/>
+              <a:t>Results of Testing to be placed here – EX BELOW</a:t>
+            </a:r>
+          </a:p>
+          <a:p>
+            <a:pPr>
+              <a:buFont typeface="Arial" panose="020B0604020202020204" pitchFamily="34" charset="0"/>
+              <a:buChar char="•"/>
+            </a:pPr>
+            <a:r>
+              <a:rPr lang="en-US" sz="1800" dirty="0"/>
+              <a:t> Project runtime performance</a:t>
+            </a:r>
+          </a:p>
+          <a:p>
+            <a:pPr lvl="1">
+              <a:buFont typeface="Arial" panose="020B0604020202020204" pitchFamily="34" charset="0"/>
+              <a:buChar char="•"/>
+            </a:pPr>
+            <a:r>
+              <a:rPr lang="en-US" sz="1800" dirty="0"/>
+              <a:t>No issues detected</a:t>
+            </a:r>
+          </a:p>
+          <a:p>
+            <a:pPr>
+              <a:buFont typeface="Arial" panose="020B0604020202020204" pitchFamily="34" charset="0"/>
+              <a:buChar char="•"/>
+            </a:pPr>
+            <a:r>
+              <a:rPr lang="en-US" sz="1800" dirty="0"/>
+              <a:t> Functional requirement testing</a:t>
+            </a:r>
+          </a:p>
+          <a:p>
+            <a:pPr lvl="1">
+              <a:buFont typeface="Arial" panose="020B0604020202020204" pitchFamily="34" charset="0"/>
+              <a:buChar char="•"/>
+            </a:pPr>
+            <a:r>
+              <a:rPr lang="en-US" sz="1800" dirty="0"/>
+              <a:t>Data viewing – The data was displayed accurately and without error</a:t>
+            </a:r>
+          </a:p>
+          <a:p>
+            <a:pPr lvl="1">
+              <a:buFont typeface="Arial" panose="020B0604020202020204" pitchFamily="34" charset="0"/>
+              <a:buChar char="•"/>
+            </a:pPr>
+            <a:r>
+              <a:rPr lang="en-US" sz="1800" dirty="0"/>
+              <a:t>Data creation – The data was created without improper input</a:t>
+            </a:r>
+          </a:p>
+          <a:p>
+            <a:pPr lvl="1">
+              <a:buFont typeface="Arial" panose="020B0604020202020204" pitchFamily="34" charset="0"/>
+              <a:buChar char="•"/>
+            </a:pPr>
+            <a:r>
+              <a:rPr lang="en-US" sz="1800" dirty="0"/>
+              <a:t>Data viewing - ~~~~~~</a:t>
+            </a:r>
+          </a:p>
+          <a:p>
+            <a:pPr>
+              <a:buFont typeface="Arial" panose="020B0604020202020204" pitchFamily="34" charset="0"/>
+              <a:buChar char="•"/>
+            </a:pPr>
+            <a:r>
+              <a:rPr lang="en-US" sz="1800" dirty="0"/>
+              <a:t> Graphical user interface</a:t>
+            </a:r>
+          </a:p>
+          <a:p>
+            <a:pPr lvl="1">
+              <a:buFont typeface="Arial" panose="020B0604020202020204" pitchFamily="34" charset="0"/>
+              <a:buChar char="•"/>
+            </a:pPr>
+            <a:r>
+              <a:rPr lang="en-US" sz="1800" dirty="0"/>
+              <a:t>No graphical user interface was implemented</a:t>
+            </a:r>
+          </a:p>
+        </p:txBody>
+      </p:sp>
+    </p:spTree>
+    <p:extLst>
+      <p:ext uri="{BB962C8B-B14F-4D97-AF65-F5344CB8AC3E}">
+        <p14:creationId xmlns:p14="http://schemas.microsoft.com/office/powerpoint/2010/main" val="1090579756"/>
       </p:ext>
     </p:extLst>
   </p:cSld>
@@ -5483,15 +6246,6 @@
 </file>
 
 <file path=customXml/item2.xml><?xml version="1.0" encoding="utf-8"?>
-<?mso-contentType ?>
-<FormTemplates xmlns="http://schemas.microsoft.com/sharepoint/v3/contenttype/forms">
-  <Display>DocumentLibraryForm</Display>
-  <Edit>DocumentLibraryForm</Edit>
-  <New>DocumentLibraryForm</New>
-</FormTemplates>
-</file>
-
-<file path=customXml/item3.xml><?xml version="1.0" encoding="utf-8"?>
 <ct:contentTypeSchema xmlns:ct="http://schemas.microsoft.com/office/2006/metadata/contentType" xmlns:ma="http://schemas.microsoft.com/office/2006/metadata/properties/metaAttributes" ct:_="" ma:_="" ma:contentTypeName="Document" ma:contentTypeID="0x01010079F111ED35F8CC479449609E8A0923A6" ma:contentTypeVersion="12" ma:contentTypeDescription="Create a new document." ma:contentTypeScope="" ma:versionID="426e97fa315356fffbdcd9876fe988c2">
   <xsd:schema xmlns:xsd="http://www.w3.org/2001/XMLSchema" xmlns:xs="http://www.w3.org/2001/XMLSchema" xmlns:p="http://schemas.microsoft.com/office/2006/metadata/properties" xmlns:ns2="71af3243-3dd4-4a8d-8c0d-dd76da1f02a5" xmlns:ns3="16c05727-aa75-4e4a-9b5f-8a80a1165891" targetNamespace="http://schemas.microsoft.com/office/2006/metadata/properties" ma:root="true" ma:fieldsID="14b8f0def80e6d70ce3def20c90759ae" ns2:_="" ns3:_="">
     <xsd:import namespace="71af3243-3dd4-4a8d-8c0d-dd76da1f02a5"/>
@@ -5712,6 +6466,15 @@
 </ct:contentTypeSchema>
 </file>
 
+<file path=customXml/item3.xml><?xml version="1.0" encoding="utf-8"?>
+<?mso-contentType ?>
+<FormTemplates xmlns="http://schemas.microsoft.com/sharepoint/v3/contenttype/forms">
+  <Display>DocumentLibraryForm</Display>
+  <Edit>DocumentLibraryForm</Edit>
+  <New>DocumentLibraryForm</New>
+</FormTemplates>
+</file>
+
 <file path=customXml/itemProps1.xml><?xml version="1.0" encoding="utf-8"?>
 <ds:datastoreItem xmlns:ds="http://schemas.openxmlformats.org/officeDocument/2006/customXml" ds:itemID="{84F503EC-3FFF-4193-A86F-39150E2BAC75}">
   <ds:schemaRefs>
@@ -5723,14 +6486,6 @@
 </file>
 
 <file path=customXml/itemProps2.xml><?xml version="1.0" encoding="utf-8"?>
-<ds:datastoreItem xmlns:ds="http://schemas.openxmlformats.org/officeDocument/2006/customXml" ds:itemID="{2E5ECA37-C458-4BA2-A090-D7A19E07B434}">
-  <ds:schemaRefs>
-    <ds:schemaRef ds:uri="http://schemas.microsoft.com/sharepoint/v3/contenttype/forms"/>
-  </ds:schemaRefs>
-</ds:datastoreItem>
-</file>
-
-<file path=customXml/itemProps3.xml><?xml version="1.0" encoding="utf-8"?>
 <ds:datastoreItem xmlns:ds="http://schemas.openxmlformats.org/officeDocument/2006/customXml" ds:itemID="{7A26AAF5-6CFC-4C52-B7DF-08410EDE6701}">
   <ds:schemaRefs>
     <ds:schemaRef ds:uri="http://schemas.microsoft.com/office/2006/metadata/contentType"/>
@@ -5747,4 +6502,12 @@
     <ds:schemaRef ds:uri="http://schemas.microsoft.com/internal/obd"/>
   </ds:schemaRefs>
 </ds:datastoreItem>
+</file>
+
+<file path=customXml/itemProps3.xml><?xml version="1.0" encoding="utf-8"?>
+<ds:datastoreItem xmlns:ds="http://schemas.openxmlformats.org/officeDocument/2006/customXml" ds:itemID="{2E5ECA37-C458-4BA2-A090-D7A19E07B434}">
+  <ds:schemaRefs>
+    <ds:schemaRef ds:uri="http://schemas.microsoft.com/sharepoint/v3/contenttype/forms"/>
+  </ds:schemaRefs>
+</ds:datastoreItem>
 </file>